--- a/Week 6 .pptx
+++ b/Week 6 .pptx
@@ -16,6 +16,13 @@
     <p:sldId id="264" r:id="rId10"/>
     <p:sldId id="265" r:id="rId11"/>
     <p:sldId id="266" r:id="rId12"/>
+    <p:sldId id="273" r:id="rId13"/>
+    <p:sldId id="267" r:id="rId14"/>
+    <p:sldId id="268" r:id="rId15"/>
+    <p:sldId id="269" r:id="rId16"/>
+    <p:sldId id="270" r:id="rId17"/>
+    <p:sldId id="271" r:id="rId18"/>
+    <p:sldId id="272" r:id="rId19"/>
   </p:sldIdLst>
   <p:sldSz cx="12192000" cy="6858000"/>
   <p:notesSz cx="6858000" cy="9144000"/>
@@ -4472,6 +4479,2235 @@
 </p:sld>
 </file>
 
+<file path=ppt/slides/slide12.xml><?xml version="1.0" encoding="utf-8"?>
+<p:sld xmlns:a="http://schemas.openxmlformats.org/drawingml/2006/main" xmlns:r="http://schemas.openxmlformats.org/officeDocument/2006/relationships" xmlns:p="http://schemas.openxmlformats.org/presentationml/2006/main">
+  <p:cSld>
+    <p:bg>
+      <p:bgPr>
+        <a:solidFill>
+          <a:schemeClr val="bg1"/>
+        </a:solidFill>
+        <a:effectLst/>
+      </p:bgPr>
+    </p:bg>
+    <p:spTree>
+      <p:nvGrpSpPr>
+        <p:cNvPr id="1" name=""/>
+        <p:cNvGrpSpPr/>
+        <p:nvPr/>
+      </p:nvGrpSpPr>
+      <p:grpSpPr>
+        <a:xfrm>
+          <a:off x="0" y="0"/>
+          <a:ext cx="0" cy="0"/>
+          <a:chOff x="0" y="0"/>
+          <a:chExt cx="0" cy="0"/>
+        </a:xfrm>
+      </p:grpSpPr>
+      <p:sp useBgFill="1">
+        <p:nvSpPr>
+          <p:cNvPr id="18" name="Rectangle 17">
+            <a:extLst>
+              <a:ext uri="{FF2B5EF4-FFF2-40B4-BE49-F238E27FC236}">
+                <a16:creationId xmlns:a16="http://schemas.microsoft.com/office/drawing/2014/main" id="{10EE8294-4110-44EB-8577-6CA8DF797A49}"/>
+              </a:ext>
+              <a:ext uri="{C183D7F6-B498-43B3-948B-1728B52AA6E4}">
+                <adec:decorative xmlns:adec="http://schemas.microsoft.com/office/drawing/2017/decorative" val="1"/>
+              </a:ext>
+            </a:extLst>
+          </p:cNvPr>
+          <p:cNvSpPr>
+            <a:spLocks noGrp="1" noRot="1" noChangeAspect="1" noMove="1" noResize="1" noEditPoints="1" noAdjustHandles="1" noChangeArrowheads="1" noChangeShapeType="1" noTextEdit="1"/>
+          </p:cNvSpPr>
+          <p:nvPr>
+            <p:extLst>
+              <p:ext uri="{386F3935-93C4-4BCD-93E2-E3B085C9AB24}">
+                <p16:designElem xmlns:p16="http://schemas.microsoft.com/office/powerpoint/2015/main" val="1"/>
+              </p:ext>
+            </p:extLst>
+          </p:nvPr>
+        </p:nvSpPr>
+        <p:spPr>
+          <a:xfrm>
+            <a:off x="0" y="0"/>
+            <a:ext cx="12192000" cy="6858000"/>
+          </a:xfrm>
+          <a:prstGeom prst="rect">
+            <a:avLst/>
+          </a:prstGeom>
+          <a:ln w="12700" cap="flat" cmpd="sng" algn="ctr">
+            <a:noFill/>
+            <a:prstDash val="solid"/>
+            <a:miter lim="800000"/>
+          </a:ln>
+          <a:effectLst/>
+          <a:extLst>
+            <a:ext uri="{91240B29-F687-4F45-9708-019B960494DF}">
+              <a14:hiddenLine xmlns:a14="http://schemas.microsoft.com/office/drawing/2010/main" w="12700" cap="flat" cmpd="sng" algn="ctr">
+                <a:solidFill>
+                  <a:schemeClr val="accent1">
+                    <a:shade val="50000"/>
+                  </a:schemeClr>
+                </a:solidFill>
+                <a:prstDash val="solid"/>
+                <a:miter lim="800000"/>
+              </a14:hiddenLine>
+            </a:ext>
+          </a:extLst>
+        </p:spPr>
+        <p:style>
+          <a:lnRef idx="2">
+            <a:schemeClr val="accent1">
+              <a:shade val="50000"/>
+            </a:schemeClr>
+          </a:lnRef>
+          <a:fillRef idx="1">
+            <a:schemeClr val="accent1"/>
+          </a:fillRef>
+          <a:effectRef idx="0">
+            <a:schemeClr val="accent1"/>
+          </a:effectRef>
+          <a:fontRef idx="minor">
+            <a:schemeClr val="lt1"/>
+          </a:fontRef>
+        </p:style>
+        <p:txBody>
+          <a:bodyPr rtlCol="0" anchor="ctr"/>
+          <a:lstStyle/>
+          <a:p>
+            <a:pPr algn="ctr"/>
+            <a:endParaRPr lang="en-US"/>
+          </a:p>
+        </p:txBody>
+      </p:sp>
+      <p:sp>
+        <p:nvSpPr>
+          <p:cNvPr id="20" name="Rectangle 19">
+            <a:extLst>
+              <a:ext uri="{FF2B5EF4-FFF2-40B4-BE49-F238E27FC236}">
+                <a16:creationId xmlns:a16="http://schemas.microsoft.com/office/drawing/2014/main" id="{7C45E44A-48F0-452E-94AB-C02C0355C6C5}"/>
+              </a:ext>
+              <a:ext uri="{C183D7F6-B498-43B3-948B-1728B52AA6E4}">
+                <adec:decorative xmlns:adec="http://schemas.microsoft.com/office/drawing/2017/decorative" val="1"/>
+              </a:ext>
+            </a:extLst>
+          </p:cNvPr>
+          <p:cNvSpPr>
+            <a:spLocks noGrp="1" noRot="1" noChangeAspect="1" noMove="1" noResize="1" noEditPoints="1" noAdjustHandles="1" noChangeArrowheads="1" noChangeShapeType="1" noTextEdit="1"/>
+          </p:cNvSpPr>
+          <p:nvPr>
+            <p:extLst>
+              <p:ext uri="{386F3935-93C4-4BCD-93E2-E3B085C9AB24}">
+                <p16:designElem xmlns:p16="http://schemas.microsoft.com/office/powerpoint/2015/main" val="1"/>
+              </p:ext>
+            </p:extLst>
+          </p:nvPr>
+        </p:nvSpPr>
+        <p:spPr>
+          <a:xfrm>
+            <a:off x="4076700" y="685800"/>
+            <a:ext cx="7429500" cy="5486400"/>
+          </a:xfrm>
+          <a:prstGeom prst="rect">
+            <a:avLst/>
+          </a:prstGeom>
+          <a:solidFill>
+            <a:schemeClr val="tx2">
+              <a:lumMod val="75000"/>
+              <a:lumOff val="25000"/>
+              <a:alpha val="25000"/>
+            </a:schemeClr>
+          </a:solidFill>
+          <a:ln>
+            <a:noFill/>
+          </a:ln>
+        </p:spPr>
+        <p:style>
+          <a:lnRef idx="2">
+            <a:schemeClr val="accent1">
+              <a:shade val="50000"/>
+            </a:schemeClr>
+          </a:lnRef>
+          <a:fillRef idx="1">
+            <a:schemeClr val="accent1"/>
+          </a:fillRef>
+          <a:effectRef idx="0">
+            <a:schemeClr val="accent1"/>
+          </a:effectRef>
+          <a:fontRef idx="minor">
+            <a:schemeClr val="lt1"/>
+          </a:fontRef>
+        </p:style>
+        <p:txBody>
+          <a:bodyPr rtlCol="0" anchor="ctr"/>
+          <a:lstStyle/>
+          <a:p>
+            <a:pPr algn="ctr"/>
+            <a:endParaRPr lang="en-US"/>
+          </a:p>
+        </p:txBody>
+      </p:sp>
+      <p:sp>
+        <p:nvSpPr>
+          <p:cNvPr id="4" name="Title 3">
+            <a:extLst>
+              <a:ext uri="{FF2B5EF4-FFF2-40B4-BE49-F238E27FC236}">
+                <a16:creationId xmlns:a16="http://schemas.microsoft.com/office/drawing/2014/main" id="{9AA98F0A-3C51-E77E-CC40-0EA297DF8D1F}"/>
+              </a:ext>
+            </a:extLst>
+          </p:cNvPr>
+          <p:cNvSpPr>
+            <a:spLocks noGrp="1"/>
+          </p:cNvSpPr>
+          <p:nvPr>
+            <p:ph type="ctrTitle"/>
+          </p:nvPr>
+        </p:nvSpPr>
+        <p:spPr>
+          <a:xfrm>
+            <a:off x="4762500" y="942449"/>
+            <a:ext cx="6096000" cy="936840"/>
+          </a:xfrm>
+        </p:spPr>
+        <p:txBody>
+          <a:bodyPr vert="horz" lIns="91440" tIns="45720" rIns="91440" bIns="45720" rtlCol="0" anchor="b">
+            <a:normAutofit/>
+          </a:bodyPr>
+          <a:lstStyle/>
+          <a:p>
+            <a:r>
+              <a:rPr lang="en-US" sz="3000" kern="1200" cap="all" spc="300" baseline="0" dirty="0">
+                <a:solidFill>
+                  <a:schemeClr val="tx2"/>
+                </a:solidFill>
+                <a:latin typeface="+mj-lt"/>
+                <a:ea typeface="+mj-ea"/>
+                <a:cs typeface="+mj-cs"/>
+              </a:rPr>
+              <a:t>Week 7- Building models</a:t>
+            </a:r>
+          </a:p>
+        </p:txBody>
+      </p:sp>
+      <p:pic>
+        <p:nvPicPr>
+          <p:cNvPr id="14" name="Picture 13">
+            <a:extLst>
+              <a:ext uri="{FF2B5EF4-FFF2-40B4-BE49-F238E27FC236}">
+                <a16:creationId xmlns:a16="http://schemas.microsoft.com/office/drawing/2014/main" id="{B5E614CD-5C14-332C-D565-BB385355A829}"/>
+              </a:ext>
+            </a:extLst>
+          </p:cNvPr>
+          <p:cNvPicPr>
+            <a:picLocks noChangeAspect="1"/>
+          </p:cNvPicPr>
+          <p:nvPr/>
+        </p:nvPicPr>
+        <p:blipFill rotWithShape="1">
+          <a:blip r:embed="rId2"/>
+          <a:srcRect l="23315" r="27240"/>
+          <a:stretch/>
+        </p:blipFill>
+        <p:spPr>
+          <a:xfrm>
+            <a:off x="1" y="10"/>
+            <a:ext cx="3390899" cy="6857990"/>
+          </a:xfrm>
+          <a:prstGeom prst="rect">
+            <a:avLst/>
+          </a:prstGeom>
+        </p:spPr>
+      </p:pic>
+      <p:sp>
+        <p:nvSpPr>
+          <p:cNvPr id="5" name="Subtitle 4">
+            <a:extLst>
+              <a:ext uri="{FF2B5EF4-FFF2-40B4-BE49-F238E27FC236}">
+                <a16:creationId xmlns:a16="http://schemas.microsoft.com/office/drawing/2014/main" id="{479D3910-4383-7130-A8BB-DE88C059FC7D}"/>
+              </a:ext>
+            </a:extLst>
+          </p:cNvPr>
+          <p:cNvSpPr>
+            <a:spLocks noGrp="1"/>
+          </p:cNvSpPr>
+          <p:nvPr>
+            <p:ph type="subTitle" idx="1"/>
+          </p:nvPr>
+        </p:nvSpPr>
+        <p:spPr>
+          <a:xfrm>
+            <a:off x="4672977" y="2135938"/>
+            <a:ext cx="6247233" cy="3535585"/>
+          </a:xfrm>
+        </p:spPr>
+        <p:txBody>
+          <a:bodyPr vert="horz" lIns="91440" tIns="45720" rIns="91440" bIns="45720" rtlCol="0">
+            <a:normAutofit/>
+          </a:bodyPr>
+          <a:lstStyle/>
+          <a:p>
+            <a:pPr marL="342900" indent="-228600" algn="l">
+              <a:lnSpc>
+                <a:spcPct val="90000"/>
+              </a:lnSpc>
+              <a:buFont typeface="Arial" panose="020B0604020202020204" pitchFamily="34" charset="0"/>
+              <a:buChar char="•"/>
+            </a:pPr>
+            <a:r>
+              <a:rPr lang="en-US" dirty="0"/>
+              <a:t>DECISION TREE CLASSIFIER</a:t>
+            </a:r>
+          </a:p>
+          <a:p>
+            <a:pPr marL="342900" indent="-228600" algn="l">
+              <a:lnSpc>
+                <a:spcPct val="90000"/>
+              </a:lnSpc>
+              <a:buFont typeface="Arial" panose="020B0604020202020204" pitchFamily="34" charset="0"/>
+              <a:buChar char="•"/>
+            </a:pPr>
+            <a:r>
+              <a:rPr lang="en-US" dirty="0"/>
+              <a:t>RANDOM FOREST CLASSIFIER</a:t>
+            </a:r>
+          </a:p>
+          <a:p>
+            <a:pPr marL="342900" indent="-228600" algn="l">
+              <a:lnSpc>
+                <a:spcPct val="90000"/>
+              </a:lnSpc>
+              <a:buFont typeface="Arial" panose="020B0604020202020204" pitchFamily="34" charset="0"/>
+              <a:buChar char="•"/>
+            </a:pPr>
+            <a:r>
+              <a:rPr lang="en-US" dirty="0"/>
+              <a:t>GRADIENT BOOSTING CLASSIFIER</a:t>
+            </a:r>
+          </a:p>
+          <a:p>
+            <a:pPr marL="342900" indent="-228600" algn="l">
+              <a:lnSpc>
+                <a:spcPct val="90000"/>
+              </a:lnSpc>
+              <a:buFont typeface="Arial" panose="020B0604020202020204" pitchFamily="34" charset="0"/>
+              <a:buChar char="•"/>
+            </a:pPr>
+            <a:r>
+              <a:rPr lang="en-US" dirty="0"/>
+              <a:t>MLP CLASSIFIER</a:t>
+            </a:r>
+          </a:p>
+          <a:p>
+            <a:pPr marL="342900" indent="-228600" algn="l">
+              <a:lnSpc>
+                <a:spcPct val="90000"/>
+              </a:lnSpc>
+              <a:buFont typeface="Arial" panose="020B0604020202020204" pitchFamily="34" charset="0"/>
+              <a:buChar char="•"/>
+            </a:pPr>
+            <a:r>
+              <a:rPr lang="en-US" dirty="0"/>
+              <a:t>COMPARING MODELS AND SORTING BASED ON ACCURACY</a:t>
+            </a:r>
+          </a:p>
+          <a:p>
+            <a:pPr algn="l">
+              <a:lnSpc>
+                <a:spcPct val="90000"/>
+              </a:lnSpc>
+            </a:pPr>
+            <a:r>
+              <a:rPr lang="en-US" dirty="0"/>
+              <a:t>                                                 </a:t>
+            </a:r>
+          </a:p>
+        </p:txBody>
+      </p:sp>
+    </p:spTree>
+    <p:extLst>
+      <p:ext uri="{BB962C8B-B14F-4D97-AF65-F5344CB8AC3E}">
+        <p14:creationId xmlns:p14="http://schemas.microsoft.com/office/powerpoint/2010/main" val="4057825836"/>
+      </p:ext>
+    </p:extLst>
+  </p:cSld>
+  <p:clrMapOvr>
+    <a:masterClrMapping/>
+  </p:clrMapOvr>
+</p:sld>
+</file>
+
+<file path=ppt/slides/slide13.xml><?xml version="1.0" encoding="utf-8"?>
+<p:sld xmlns:a="http://schemas.openxmlformats.org/drawingml/2006/main" xmlns:r="http://schemas.openxmlformats.org/officeDocument/2006/relationships" xmlns:p="http://schemas.openxmlformats.org/presentationml/2006/main">
+  <p:cSld>
+    <p:bg>
+      <p:bgPr>
+        <a:solidFill>
+          <a:schemeClr val="bg1"/>
+        </a:solidFill>
+        <a:effectLst/>
+      </p:bgPr>
+    </p:bg>
+    <p:spTree>
+      <p:nvGrpSpPr>
+        <p:cNvPr id="1" name=""/>
+        <p:cNvGrpSpPr/>
+        <p:nvPr/>
+      </p:nvGrpSpPr>
+      <p:grpSpPr>
+        <a:xfrm>
+          <a:off x="0" y="0"/>
+          <a:ext cx="0" cy="0"/>
+          <a:chOff x="0" y="0"/>
+          <a:chExt cx="0" cy="0"/>
+        </a:xfrm>
+      </p:grpSpPr>
+      <p:sp useBgFill="1">
+        <p:nvSpPr>
+          <p:cNvPr id="10" name="Rectangle 9">
+            <a:extLst>
+              <a:ext uri="{FF2B5EF4-FFF2-40B4-BE49-F238E27FC236}">
+                <a16:creationId xmlns:a16="http://schemas.microsoft.com/office/drawing/2014/main" id="{FE159530-DCF3-4A55-A165-60D619F192F0}"/>
+              </a:ext>
+              <a:ext uri="{C183D7F6-B498-43B3-948B-1728B52AA6E4}">
+                <adec:decorative xmlns:adec="http://schemas.microsoft.com/office/drawing/2017/decorative" val="1"/>
+              </a:ext>
+            </a:extLst>
+          </p:cNvPr>
+          <p:cNvSpPr>
+            <a:spLocks noGrp="1" noRot="1" noChangeAspect="1" noMove="1" noResize="1" noEditPoints="1" noAdjustHandles="1" noChangeArrowheads="1" noChangeShapeType="1" noTextEdit="1"/>
+          </p:cNvSpPr>
+          <p:nvPr>
+            <p:extLst>
+              <p:ext uri="{386F3935-93C4-4BCD-93E2-E3B085C9AB24}">
+                <p16:designElem xmlns:p16="http://schemas.microsoft.com/office/powerpoint/2015/main" val="1"/>
+              </p:ext>
+            </p:extLst>
+          </p:nvPr>
+        </p:nvSpPr>
+        <p:spPr>
+          <a:xfrm>
+            <a:off x="0" y="0"/>
+            <a:ext cx="12192000" cy="6858000"/>
+          </a:xfrm>
+          <a:prstGeom prst="rect">
+            <a:avLst/>
+          </a:prstGeom>
+          <a:ln w="12700" cap="flat" cmpd="sng" algn="ctr">
+            <a:noFill/>
+            <a:prstDash val="solid"/>
+            <a:miter lim="800000"/>
+          </a:ln>
+          <a:effectLst/>
+          <a:extLst>
+            <a:ext uri="{91240B29-F687-4F45-9708-019B960494DF}">
+              <a14:hiddenLine xmlns:a14="http://schemas.microsoft.com/office/drawing/2010/main" w="12700" cap="flat" cmpd="sng" algn="ctr">
+                <a:solidFill>
+                  <a:schemeClr val="accent1">
+                    <a:shade val="50000"/>
+                  </a:schemeClr>
+                </a:solidFill>
+                <a:prstDash val="solid"/>
+                <a:miter lim="800000"/>
+              </a14:hiddenLine>
+            </a:ext>
+          </a:extLst>
+        </p:spPr>
+        <p:style>
+          <a:lnRef idx="2">
+            <a:schemeClr val="accent1">
+              <a:shade val="50000"/>
+            </a:schemeClr>
+          </a:lnRef>
+          <a:fillRef idx="1">
+            <a:schemeClr val="accent1"/>
+          </a:fillRef>
+          <a:effectRef idx="0">
+            <a:schemeClr val="accent1"/>
+          </a:effectRef>
+          <a:fontRef idx="minor">
+            <a:schemeClr val="lt1"/>
+          </a:fontRef>
+        </p:style>
+        <p:txBody>
+          <a:bodyPr rtlCol="0" anchor="ctr"/>
+          <a:lstStyle/>
+          <a:p>
+            <a:pPr algn="ctr"/>
+            <a:endParaRPr lang="en-US"/>
+          </a:p>
+        </p:txBody>
+      </p:sp>
+      <p:sp>
+        <p:nvSpPr>
+          <p:cNvPr id="12" name="Rectangle 11">
+            <a:extLst>
+              <a:ext uri="{FF2B5EF4-FFF2-40B4-BE49-F238E27FC236}">
+                <a16:creationId xmlns:a16="http://schemas.microsoft.com/office/drawing/2014/main" id="{8A7C3535-4FB5-4E5B-BDFE-FA61877AF1A9}"/>
+              </a:ext>
+              <a:ext uri="{C183D7F6-B498-43B3-948B-1728B52AA6E4}">
+                <adec:decorative xmlns:adec="http://schemas.microsoft.com/office/drawing/2017/decorative" val="1"/>
+              </a:ext>
+            </a:extLst>
+          </p:cNvPr>
+          <p:cNvSpPr>
+            <a:spLocks noGrp="1" noRot="1" noChangeAspect="1" noMove="1" noResize="1" noEditPoints="1" noAdjustHandles="1" noChangeArrowheads="1" noChangeShapeType="1" noTextEdit="1"/>
+          </p:cNvSpPr>
+          <p:nvPr>
+            <p:extLst>
+              <p:ext uri="{386F3935-93C4-4BCD-93E2-E3B085C9AB24}">
+                <p16:designElem xmlns:p16="http://schemas.microsoft.com/office/powerpoint/2015/main" val="1"/>
+              </p:ext>
+            </p:extLst>
+          </p:nvPr>
+        </p:nvSpPr>
+        <p:spPr>
+          <a:xfrm>
+            <a:off x="0" y="0"/>
+            <a:ext cx="4076700" cy="6858000"/>
+          </a:xfrm>
+          <a:prstGeom prst="rect">
+            <a:avLst/>
+          </a:prstGeom>
+          <a:solidFill>
+            <a:schemeClr val="tx2">
+              <a:lumMod val="75000"/>
+              <a:lumOff val="25000"/>
+              <a:alpha val="25000"/>
+            </a:schemeClr>
+          </a:solidFill>
+          <a:ln>
+            <a:noFill/>
+          </a:ln>
+        </p:spPr>
+        <p:style>
+          <a:lnRef idx="2">
+            <a:schemeClr val="accent1">
+              <a:shade val="50000"/>
+            </a:schemeClr>
+          </a:lnRef>
+          <a:fillRef idx="1">
+            <a:schemeClr val="accent1"/>
+          </a:fillRef>
+          <a:effectRef idx="0">
+            <a:schemeClr val="accent1"/>
+          </a:effectRef>
+          <a:fontRef idx="minor">
+            <a:schemeClr val="lt1"/>
+          </a:fontRef>
+        </p:style>
+        <p:txBody>
+          <a:bodyPr rtlCol="0" anchor="ctr"/>
+          <a:lstStyle/>
+          <a:p>
+            <a:pPr algn="ctr"/>
+            <a:endParaRPr lang="en-US"/>
+          </a:p>
+        </p:txBody>
+      </p:sp>
+      <p:sp>
+        <p:nvSpPr>
+          <p:cNvPr id="2" name="Title 1">
+            <a:extLst>
+              <a:ext uri="{FF2B5EF4-FFF2-40B4-BE49-F238E27FC236}">
+                <a16:creationId xmlns:a16="http://schemas.microsoft.com/office/drawing/2014/main" id="{6EAB1116-1670-D892-43E3-E02D744A9482}"/>
+              </a:ext>
+            </a:extLst>
+          </p:cNvPr>
+          <p:cNvSpPr>
+            <a:spLocks noGrp="1"/>
+          </p:cNvSpPr>
+          <p:nvPr>
+            <p:ph type="title"/>
+          </p:nvPr>
+        </p:nvSpPr>
+        <p:spPr>
+          <a:xfrm>
+            <a:off x="698528" y="1371600"/>
+            <a:ext cx="2692372" cy="4114800"/>
+          </a:xfrm>
+        </p:spPr>
+        <p:txBody>
+          <a:bodyPr anchor="ctr">
+            <a:normAutofit/>
+          </a:bodyPr>
+          <a:lstStyle/>
+          <a:p>
+            <a:pPr algn="ctr"/>
+            <a:r>
+              <a:rPr lang="en-US" sz="3000"/>
+              <a:t>Decision trees classifier</a:t>
+            </a:r>
+          </a:p>
+        </p:txBody>
+      </p:sp>
+      <p:pic>
+        <p:nvPicPr>
+          <p:cNvPr id="5" name="Picture 4" descr="A screenshot of a computer&#10;&#10;Description automatically generated">
+            <a:extLst>
+              <a:ext uri="{FF2B5EF4-FFF2-40B4-BE49-F238E27FC236}">
+                <a16:creationId xmlns:a16="http://schemas.microsoft.com/office/drawing/2014/main" id="{C645E1AA-E7A4-6D78-AEE3-9EC3978EDEEC}"/>
+              </a:ext>
+            </a:extLst>
+          </p:cNvPr>
+          <p:cNvPicPr>
+            <a:picLocks noChangeAspect="1"/>
+          </p:cNvPicPr>
+          <p:nvPr/>
+        </p:nvPicPr>
+        <p:blipFill>
+          <a:blip r:embed="rId2"/>
+          <a:stretch>
+            <a:fillRect/>
+          </a:stretch>
+        </p:blipFill>
+        <p:spPr>
+          <a:xfrm>
+            <a:off x="5410200" y="400050"/>
+            <a:ext cx="5448300" cy="2240660"/>
+          </a:xfrm>
+          <a:prstGeom prst="rect">
+            <a:avLst/>
+          </a:prstGeom>
+        </p:spPr>
+      </p:pic>
+      <p:sp>
+        <p:nvSpPr>
+          <p:cNvPr id="3" name="Content Placeholder 2">
+            <a:extLst>
+              <a:ext uri="{FF2B5EF4-FFF2-40B4-BE49-F238E27FC236}">
+                <a16:creationId xmlns:a16="http://schemas.microsoft.com/office/drawing/2014/main" id="{089354F2-B17F-1B81-BCBC-5101CEFECF8B}"/>
+              </a:ext>
+            </a:extLst>
+          </p:cNvPr>
+          <p:cNvSpPr>
+            <a:spLocks noGrp="1"/>
+          </p:cNvSpPr>
+          <p:nvPr>
+            <p:ph idx="1"/>
+          </p:nvPr>
+        </p:nvSpPr>
+        <p:spPr>
+          <a:xfrm>
+            <a:off x="4286250" y="3108960"/>
+            <a:ext cx="7486650" cy="3348990"/>
+          </a:xfrm>
+        </p:spPr>
+        <p:txBody>
+          <a:bodyPr>
+            <a:normAutofit/>
+          </a:bodyPr>
+          <a:lstStyle/>
+          <a:p>
+            <a:pPr marL="0" indent="0">
+              <a:lnSpc>
+                <a:spcPct val="90000"/>
+              </a:lnSpc>
+              <a:buNone/>
+            </a:pPr>
+            <a:r>
+              <a:rPr lang="en-US" sz="1100" dirty="0"/>
+              <a:t>When applying a Decision Tree Classifier to phishing website detection, the algorithm analyzes the dataset to find the features that best separate phishing sites from legitimate ones. This process involves:</a:t>
+            </a:r>
+          </a:p>
+          <a:p>
+            <a:pPr>
+              <a:lnSpc>
+                <a:spcPct val="90000"/>
+              </a:lnSpc>
+            </a:pPr>
+            <a:r>
+              <a:rPr lang="en-US" sz="1100" dirty="0"/>
+              <a:t>Feature Selection: At each step or node of the tree, the algorithm selects one feature that best splits the data into classes. The selection criterion is often based on metrics like information gain, Gini impurity, or chi-square. For phishing detection, the algorithm evaluates how well each feature (e.g., URL length, use of HTTPS, presence of IP address) separates phishing sites from legitimate ones.</a:t>
+            </a:r>
+          </a:p>
+          <a:p>
+            <a:pPr>
+              <a:lnSpc>
+                <a:spcPct val="90000"/>
+              </a:lnSpc>
+            </a:pPr>
+            <a:r>
+              <a:rPr lang="en-US" sz="1100" dirty="0"/>
+              <a:t>Decision Making: Based on the selected feature, the algorithm applies a decision rule that splits the data into two or more subsets. For example, if the selected feature is URL length, the decision rule might be "Is the URL length greater than 54 characters?". Websites will then be divided into two groups based on their URL length, with each group representing either a closer step towards being classified as phishing or legitimate.</a:t>
+            </a:r>
+          </a:p>
+          <a:p>
+            <a:pPr>
+              <a:lnSpc>
+                <a:spcPct val="90000"/>
+              </a:lnSpc>
+            </a:pPr>
+            <a:r>
+              <a:rPr lang="en-US" sz="1100" dirty="0"/>
+              <a:t>Tree Depth and Complexity: The process continues with further splits at each branch, considering other features and applying new decision rules. The depth of the tree (i.e., the number of splits) depends on the complexity of the data and the differentiation required to accurately classify the websites. Too deep trees might overfit the data, capturing noise rather than the underlying pattern.</a:t>
+            </a:r>
+          </a:p>
+          <a:p>
+            <a:pPr>
+              <a:lnSpc>
+                <a:spcPct val="90000"/>
+              </a:lnSpc>
+            </a:pPr>
+            <a:r>
+              <a:rPr lang="en-US" sz="1100" dirty="0"/>
+              <a:t>Terminal Nodes (Leaves): The process ends when a node has records from only one class, or when it meets a stopping criterion set to prevent overfitting. Each leaf node represents a final decision: phishing or legitimate, based on the path of decisions taken from the root to that leaf.</a:t>
+            </a:r>
+          </a:p>
+          <a:p>
+            <a:pPr>
+              <a:lnSpc>
+                <a:spcPct val="90000"/>
+              </a:lnSpc>
+            </a:pPr>
+            <a:endParaRPr lang="en-US" sz="1100" dirty="0"/>
+          </a:p>
+        </p:txBody>
+      </p:sp>
+    </p:spTree>
+    <p:extLst>
+      <p:ext uri="{BB962C8B-B14F-4D97-AF65-F5344CB8AC3E}">
+        <p14:creationId xmlns:p14="http://schemas.microsoft.com/office/powerpoint/2010/main" val="3771066134"/>
+      </p:ext>
+    </p:extLst>
+  </p:cSld>
+  <p:clrMapOvr>
+    <a:masterClrMapping/>
+  </p:clrMapOvr>
+</p:sld>
+</file>
+
+<file path=ppt/slides/slide14.xml><?xml version="1.0" encoding="utf-8"?>
+<p:sld xmlns:a="http://schemas.openxmlformats.org/drawingml/2006/main" xmlns:r="http://schemas.openxmlformats.org/officeDocument/2006/relationships" xmlns:p="http://schemas.openxmlformats.org/presentationml/2006/main">
+  <p:cSld>
+    <p:bg>
+      <p:bgPr>
+        <a:solidFill>
+          <a:schemeClr val="bg1"/>
+        </a:solidFill>
+        <a:effectLst/>
+      </p:bgPr>
+    </p:bg>
+    <p:spTree>
+      <p:nvGrpSpPr>
+        <p:cNvPr id="1" name=""/>
+        <p:cNvGrpSpPr/>
+        <p:nvPr/>
+      </p:nvGrpSpPr>
+      <p:grpSpPr>
+        <a:xfrm>
+          <a:off x="0" y="0"/>
+          <a:ext cx="0" cy="0"/>
+          <a:chOff x="0" y="0"/>
+          <a:chExt cx="0" cy="0"/>
+        </a:xfrm>
+      </p:grpSpPr>
+      <p:sp useBgFill="1">
+        <p:nvSpPr>
+          <p:cNvPr id="10" name="Rectangle 9">
+            <a:extLst>
+              <a:ext uri="{FF2B5EF4-FFF2-40B4-BE49-F238E27FC236}">
+                <a16:creationId xmlns:a16="http://schemas.microsoft.com/office/drawing/2014/main" id="{FE159530-DCF3-4A55-A165-60D619F192F0}"/>
+              </a:ext>
+              <a:ext uri="{C183D7F6-B498-43B3-948B-1728B52AA6E4}">
+                <adec:decorative xmlns:adec="http://schemas.microsoft.com/office/drawing/2017/decorative" val="1"/>
+              </a:ext>
+            </a:extLst>
+          </p:cNvPr>
+          <p:cNvSpPr>
+            <a:spLocks noGrp="1" noRot="1" noChangeAspect="1" noMove="1" noResize="1" noEditPoints="1" noAdjustHandles="1" noChangeArrowheads="1" noChangeShapeType="1" noTextEdit="1"/>
+          </p:cNvSpPr>
+          <p:nvPr>
+            <p:extLst>
+              <p:ext uri="{386F3935-93C4-4BCD-93E2-E3B085C9AB24}">
+                <p16:designElem xmlns:p16="http://schemas.microsoft.com/office/powerpoint/2015/main" val="1"/>
+              </p:ext>
+            </p:extLst>
+          </p:nvPr>
+        </p:nvSpPr>
+        <p:spPr>
+          <a:xfrm>
+            <a:off x="0" y="0"/>
+            <a:ext cx="12192000" cy="6858000"/>
+          </a:xfrm>
+          <a:prstGeom prst="rect">
+            <a:avLst/>
+          </a:prstGeom>
+          <a:ln w="12700" cap="flat" cmpd="sng" algn="ctr">
+            <a:noFill/>
+            <a:prstDash val="solid"/>
+            <a:miter lim="800000"/>
+          </a:ln>
+          <a:effectLst/>
+          <a:extLst>
+            <a:ext uri="{91240B29-F687-4F45-9708-019B960494DF}">
+              <a14:hiddenLine xmlns:a14="http://schemas.microsoft.com/office/drawing/2010/main" w="12700" cap="flat" cmpd="sng" algn="ctr">
+                <a:solidFill>
+                  <a:schemeClr val="accent1">
+                    <a:shade val="50000"/>
+                  </a:schemeClr>
+                </a:solidFill>
+                <a:prstDash val="solid"/>
+                <a:miter lim="800000"/>
+              </a14:hiddenLine>
+            </a:ext>
+          </a:extLst>
+        </p:spPr>
+        <p:style>
+          <a:lnRef idx="2">
+            <a:schemeClr val="accent1">
+              <a:shade val="50000"/>
+            </a:schemeClr>
+          </a:lnRef>
+          <a:fillRef idx="1">
+            <a:schemeClr val="accent1"/>
+          </a:fillRef>
+          <a:effectRef idx="0">
+            <a:schemeClr val="accent1"/>
+          </a:effectRef>
+          <a:fontRef idx="minor">
+            <a:schemeClr val="lt1"/>
+          </a:fontRef>
+        </p:style>
+        <p:txBody>
+          <a:bodyPr rtlCol="0" anchor="ctr"/>
+          <a:lstStyle/>
+          <a:p>
+            <a:pPr algn="ctr"/>
+            <a:endParaRPr lang="en-US"/>
+          </a:p>
+        </p:txBody>
+      </p:sp>
+      <p:sp>
+        <p:nvSpPr>
+          <p:cNvPr id="12" name="Rectangle 11">
+            <a:extLst>
+              <a:ext uri="{FF2B5EF4-FFF2-40B4-BE49-F238E27FC236}">
+                <a16:creationId xmlns:a16="http://schemas.microsoft.com/office/drawing/2014/main" id="{8A7C3535-4FB5-4E5B-BDFE-FA61877AF1A9}"/>
+              </a:ext>
+              <a:ext uri="{C183D7F6-B498-43B3-948B-1728B52AA6E4}">
+                <adec:decorative xmlns:adec="http://schemas.microsoft.com/office/drawing/2017/decorative" val="1"/>
+              </a:ext>
+            </a:extLst>
+          </p:cNvPr>
+          <p:cNvSpPr>
+            <a:spLocks noGrp="1" noRot="1" noChangeAspect="1" noMove="1" noResize="1" noEditPoints="1" noAdjustHandles="1" noChangeArrowheads="1" noChangeShapeType="1" noTextEdit="1"/>
+          </p:cNvSpPr>
+          <p:nvPr>
+            <p:extLst>
+              <p:ext uri="{386F3935-93C4-4BCD-93E2-E3B085C9AB24}">
+                <p16:designElem xmlns:p16="http://schemas.microsoft.com/office/powerpoint/2015/main" val="1"/>
+              </p:ext>
+            </p:extLst>
+          </p:nvPr>
+        </p:nvSpPr>
+        <p:spPr>
+          <a:xfrm>
+            <a:off x="0" y="0"/>
+            <a:ext cx="4076700" cy="6858000"/>
+          </a:xfrm>
+          <a:prstGeom prst="rect">
+            <a:avLst/>
+          </a:prstGeom>
+          <a:solidFill>
+            <a:schemeClr val="tx2">
+              <a:lumMod val="75000"/>
+              <a:lumOff val="25000"/>
+              <a:alpha val="25000"/>
+            </a:schemeClr>
+          </a:solidFill>
+          <a:ln>
+            <a:noFill/>
+          </a:ln>
+        </p:spPr>
+        <p:style>
+          <a:lnRef idx="2">
+            <a:schemeClr val="accent1">
+              <a:shade val="50000"/>
+            </a:schemeClr>
+          </a:lnRef>
+          <a:fillRef idx="1">
+            <a:schemeClr val="accent1"/>
+          </a:fillRef>
+          <a:effectRef idx="0">
+            <a:schemeClr val="accent1"/>
+          </a:effectRef>
+          <a:fontRef idx="minor">
+            <a:schemeClr val="lt1"/>
+          </a:fontRef>
+        </p:style>
+        <p:txBody>
+          <a:bodyPr rtlCol="0" anchor="ctr"/>
+          <a:lstStyle/>
+          <a:p>
+            <a:pPr algn="ctr"/>
+            <a:endParaRPr lang="en-US"/>
+          </a:p>
+        </p:txBody>
+      </p:sp>
+      <p:sp>
+        <p:nvSpPr>
+          <p:cNvPr id="2" name="Title 1">
+            <a:extLst>
+              <a:ext uri="{FF2B5EF4-FFF2-40B4-BE49-F238E27FC236}">
+                <a16:creationId xmlns:a16="http://schemas.microsoft.com/office/drawing/2014/main" id="{5C31B6CC-7071-CA26-9A31-29ABEEAE6CBD}"/>
+              </a:ext>
+            </a:extLst>
+          </p:cNvPr>
+          <p:cNvSpPr>
+            <a:spLocks noGrp="1"/>
+          </p:cNvSpPr>
+          <p:nvPr>
+            <p:ph type="title"/>
+          </p:nvPr>
+        </p:nvSpPr>
+        <p:spPr>
+          <a:xfrm>
+            <a:off x="698528" y="1371600"/>
+            <a:ext cx="2692372" cy="4114800"/>
+          </a:xfrm>
+        </p:spPr>
+        <p:txBody>
+          <a:bodyPr anchor="ctr">
+            <a:normAutofit/>
+          </a:bodyPr>
+          <a:lstStyle/>
+          <a:p>
+            <a:pPr algn="ctr"/>
+            <a:r>
+              <a:rPr lang="en-US" sz="3000" dirty="0"/>
+              <a:t>Random forest classifier</a:t>
+            </a:r>
+          </a:p>
+        </p:txBody>
+      </p:sp>
+      <p:pic>
+        <p:nvPicPr>
+          <p:cNvPr id="5" name="Picture 4" descr="A screenshot of a computer&#10;&#10;Description automatically generated">
+            <a:extLst>
+              <a:ext uri="{FF2B5EF4-FFF2-40B4-BE49-F238E27FC236}">
+                <a16:creationId xmlns:a16="http://schemas.microsoft.com/office/drawing/2014/main" id="{273CE50F-6717-9D78-1E23-819732696287}"/>
+              </a:ext>
+            </a:extLst>
+          </p:cNvPr>
+          <p:cNvPicPr>
+            <a:picLocks noChangeAspect="1"/>
+          </p:cNvPicPr>
+          <p:nvPr/>
+        </p:nvPicPr>
+        <p:blipFill>
+          <a:blip r:embed="rId2"/>
+          <a:stretch>
+            <a:fillRect/>
+          </a:stretch>
+        </p:blipFill>
+        <p:spPr>
+          <a:xfrm>
+            <a:off x="5410200" y="788290"/>
+            <a:ext cx="5448300" cy="1852420"/>
+          </a:xfrm>
+          <a:prstGeom prst="rect">
+            <a:avLst/>
+          </a:prstGeom>
+        </p:spPr>
+      </p:pic>
+      <p:sp>
+        <p:nvSpPr>
+          <p:cNvPr id="3" name="Content Placeholder 2">
+            <a:extLst>
+              <a:ext uri="{FF2B5EF4-FFF2-40B4-BE49-F238E27FC236}">
+                <a16:creationId xmlns:a16="http://schemas.microsoft.com/office/drawing/2014/main" id="{051419BB-22BF-EDFE-D2BC-760CF8CF99A6}"/>
+              </a:ext>
+            </a:extLst>
+          </p:cNvPr>
+          <p:cNvSpPr>
+            <a:spLocks noGrp="1"/>
+          </p:cNvSpPr>
+          <p:nvPr>
+            <p:ph idx="1"/>
+          </p:nvPr>
+        </p:nvSpPr>
+        <p:spPr>
+          <a:xfrm>
+            <a:off x="4762500" y="3108960"/>
+            <a:ext cx="6730972" cy="3207434"/>
+          </a:xfrm>
+        </p:spPr>
+        <p:txBody>
+          <a:bodyPr>
+            <a:normAutofit/>
+          </a:bodyPr>
+          <a:lstStyle/>
+          <a:p>
+            <a:pPr>
+              <a:lnSpc>
+                <a:spcPct val="90000"/>
+              </a:lnSpc>
+            </a:pPr>
+            <a:r>
+              <a:rPr lang="en-US" sz="2000" dirty="0"/>
+              <a:t>Random Forest model would be trained on features such as URL length, age of domain, SSL certificate validity, use of IP address in the URL, and many others. Each tree in the forest makes a prediction based on a random subset of these features and a random subset of the training data. The overall prediction is then made based on the majority vote across all trees. This approach allows the model to capture complex patterns and interactions among features that might indicate phishing activity, making it highly effective for cybersecurity applications.</a:t>
+            </a:r>
+          </a:p>
+        </p:txBody>
+      </p:sp>
+    </p:spTree>
+    <p:extLst>
+      <p:ext uri="{BB962C8B-B14F-4D97-AF65-F5344CB8AC3E}">
+        <p14:creationId xmlns:p14="http://schemas.microsoft.com/office/powerpoint/2010/main" val="2016687455"/>
+      </p:ext>
+    </p:extLst>
+  </p:cSld>
+  <p:clrMapOvr>
+    <a:masterClrMapping/>
+  </p:clrMapOvr>
+</p:sld>
+</file>
+
+<file path=ppt/slides/slide15.xml><?xml version="1.0" encoding="utf-8"?>
+<p:sld xmlns:a="http://schemas.openxmlformats.org/drawingml/2006/main" xmlns:r="http://schemas.openxmlformats.org/officeDocument/2006/relationships" xmlns:p="http://schemas.openxmlformats.org/presentationml/2006/main">
+  <p:cSld>
+    <p:bg>
+      <p:bgPr>
+        <a:solidFill>
+          <a:schemeClr val="bg1"/>
+        </a:solidFill>
+        <a:effectLst/>
+      </p:bgPr>
+    </p:bg>
+    <p:spTree>
+      <p:nvGrpSpPr>
+        <p:cNvPr id="1" name=""/>
+        <p:cNvGrpSpPr/>
+        <p:nvPr/>
+      </p:nvGrpSpPr>
+      <p:grpSpPr>
+        <a:xfrm>
+          <a:off x="0" y="0"/>
+          <a:ext cx="0" cy="0"/>
+          <a:chOff x="0" y="0"/>
+          <a:chExt cx="0" cy="0"/>
+        </a:xfrm>
+      </p:grpSpPr>
+      <p:sp useBgFill="1">
+        <p:nvSpPr>
+          <p:cNvPr id="10" name="Rectangle 9">
+            <a:extLst>
+              <a:ext uri="{FF2B5EF4-FFF2-40B4-BE49-F238E27FC236}">
+                <a16:creationId xmlns:a16="http://schemas.microsoft.com/office/drawing/2014/main" id="{FE159530-DCF3-4A55-A165-60D619F192F0}"/>
+              </a:ext>
+              <a:ext uri="{C183D7F6-B498-43B3-948B-1728B52AA6E4}">
+                <adec:decorative xmlns:adec="http://schemas.microsoft.com/office/drawing/2017/decorative" val="1"/>
+              </a:ext>
+            </a:extLst>
+          </p:cNvPr>
+          <p:cNvSpPr>
+            <a:spLocks noGrp="1" noRot="1" noChangeAspect="1" noMove="1" noResize="1" noEditPoints="1" noAdjustHandles="1" noChangeArrowheads="1" noChangeShapeType="1" noTextEdit="1"/>
+          </p:cNvSpPr>
+          <p:nvPr>
+            <p:extLst>
+              <p:ext uri="{386F3935-93C4-4BCD-93E2-E3B085C9AB24}">
+                <p16:designElem xmlns:p16="http://schemas.microsoft.com/office/powerpoint/2015/main" val="1"/>
+              </p:ext>
+            </p:extLst>
+          </p:nvPr>
+        </p:nvSpPr>
+        <p:spPr>
+          <a:xfrm>
+            <a:off x="0" y="0"/>
+            <a:ext cx="12192000" cy="6858000"/>
+          </a:xfrm>
+          <a:prstGeom prst="rect">
+            <a:avLst/>
+          </a:prstGeom>
+          <a:ln w="12700" cap="flat" cmpd="sng" algn="ctr">
+            <a:noFill/>
+            <a:prstDash val="solid"/>
+            <a:miter lim="800000"/>
+          </a:ln>
+          <a:effectLst/>
+          <a:extLst>
+            <a:ext uri="{91240B29-F687-4F45-9708-019B960494DF}">
+              <a14:hiddenLine xmlns:a14="http://schemas.microsoft.com/office/drawing/2010/main" w="12700" cap="flat" cmpd="sng" algn="ctr">
+                <a:solidFill>
+                  <a:schemeClr val="accent1">
+                    <a:shade val="50000"/>
+                  </a:schemeClr>
+                </a:solidFill>
+                <a:prstDash val="solid"/>
+                <a:miter lim="800000"/>
+              </a14:hiddenLine>
+            </a:ext>
+          </a:extLst>
+        </p:spPr>
+        <p:style>
+          <a:lnRef idx="2">
+            <a:schemeClr val="accent1">
+              <a:shade val="50000"/>
+            </a:schemeClr>
+          </a:lnRef>
+          <a:fillRef idx="1">
+            <a:schemeClr val="accent1"/>
+          </a:fillRef>
+          <a:effectRef idx="0">
+            <a:schemeClr val="accent1"/>
+          </a:effectRef>
+          <a:fontRef idx="minor">
+            <a:schemeClr val="lt1"/>
+          </a:fontRef>
+        </p:style>
+        <p:txBody>
+          <a:bodyPr rtlCol="0" anchor="ctr"/>
+          <a:lstStyle/>
+          <a:p>
+            <a:pPr algn="ctr"/>
+            <a:endParaRPr lang="en-US"/>
+          </a:p>
+        </p:txBody>
+      </p:sp>
+      <p:sp>
+        <p:nvSpPr>
+          <p:cNvPr id="12" name="Rectangle 11">
+            <a:extLst>
+              <a:ext uri="{FF2B5EF4-FFF2-40B4-BE49-F238E27FC236}">
+                <a16:creationId xmlns:a16="http://schemas.microsoft.com/office/drawing/2014/main" id="{8A7C3535-4FB5-4E5B-BDFE-FA61877AF1A9}"/>
+              </a:ext>
+              <a:ext uri="{C183D7F6-B498-43B3-948B-1728B52AA6E4}">
+                <adec:decorative xmlns:adec="http://schemas.microsoft.com/office/drawing/2017/decorative" val="1"/>
+              </a:ext>
+            </a:extLst>
+          </p:cNvPr>
+          <p:cNvSpPr>
+            <a:spLocks noGrp="1" noRot="1" noChangeAspect="1" noMove="1" noResize="1" noEditPoints="1" noAdjustHandles="1" noChangeArrowheads="1" noChangeShapeType="1" noTextEdit="1"/>
+          </p:cNvSpPr>
+          <p:nvPr>
+            <p:extLst>
+              <p:ext uri="{386F3935-93C4-4BCD-93E2-E3B085C9AB24}">
+                <p16:designElem xmlns:p16="http://schemas.microsoft.com/office/powerpoint/2015/main" val="1"/>
+              </p:ext>
+            </p:extLst>
+          </p:nvPr>
+        </p:nvSpPr>
+        <p:spPr>
+          <a:xfrm>
+            <a:off x="0" y="0"/>
+            <a:ext cx="4076700" cy="6858000"/>
+          </a:xfrm>
+          <a:prstGeom prst="rect">
+            <a:avLst/>
+          </a:prstGeom>
+          <a:solidFill>
+            <a:schemeClr val="tx2">
+              <a:lumMod val="75000"/>
+              <a:lumOff val="25000"/>
+              <a:alpha val="25000"/>
+            </a:schemeClr>
+          </a:solidFill>
+          <a:ln>
+            <a:noFill/>
+          </a:ln>
+        </p:spPr>
+        <p:style>
+          <a:lnRef idx="2">
+            <a:schemeClr val="accent1">
+              <a:shade val="50000"/>
+            </a:schemeClr>
+          </a:lnRef>
+          <a:fillRef idx="1">
+            <a:schemeClr val="accent1"/>
+          </a:fillRef>
+          <a:effectRef idx="0">
+            <a:schemeClr val="accent1"/>
+          </a:effectRef>
+          <a:fontRef idx="minor">
+            <a:schemeClr val="lt1"/>
+          </a:fontRef>
+        </p:style>
+        <p:txBody>
+          <a:bodyPr rtlCol="0" anchor="ctr"/>
+          <a:lstStyle/>
+          <a:p>
+            <a:pPr algn="ctr"/>
+            <a:endParaRPr lang="en-US"/>
+          </a:p>
+        </p:txBody>
+      </p:sp>
+      <p:sp>
+        <p:nvSpPr>
+          <p:cNvPr id="2" name="Title 1">
+            <a:extLst>
+              <a:ext uri="{FF2B5EF4-FFF2-40B4-BE49-F238E27FC236}">
+                <a16:creationId xmlns:a16="http://schemas.microsoft.com/office/drawing/2014/main" id="{B767FC63-9C13-4732-6B67-B7F3667C7AE2}"/>
+              </a:ext>
+            </a:extLst>
+          </p:cNvPr>
+          <p:cNvSpPr>
+            <a:spLocks noGrp="1"/>
+          </p:cNvSpPr>
+          <p:nvPr>
+            <p:ph type="title"/>
+          </p:nvPr>
+        </p:nvSpPr>
+        <p:spPr>
+          <a:xfrm>
+            <a:off x="698528" y="1371600"/>
+            <a:ext cx="2692372" cy="4114800"/>
+          </a:xfrm>
+        </p:spPr>
+        <p:txBody>
+          <a:bodyPr anchor="ctr">
+            <a:normAutofit/>
+          </a:bodyPr>
+          <a:lstStyle/>
+          <a:p>
+            <a:pPr algn="ctr"/>
+            <a:r>
+              <a:rPr lang="en-US" sz="3000" dirty="0"/>
+              <a:t>Gradient boosting classifier</a:t>
+            </a:r>
+          </a:p>
+        </p:txBody>
+      </p:sp>
+      <p:pic>
+        <p:nvPicPr>
+          <p:cNvPr id="5" name="Picture 4" descr="A screen shot of a computer&#10;&#10;Description automatically generated">
+            <a:extLst>
+              <a:ext uri="{FF2B5EF4-FFF2-40B4-BE49-F238E27FC236}">
+                <a16:creationId xmlns:a16="http://schemas.microsoft.com/office/drawing/2014/main" id="{706DA6D8-CF4B-B573-85E6-884ABF17704D}"/>
+              </a:ext>
+            </a:extLst>
+          </p:cNvPr>
+          <p:cNvPicPr>
+            <a:picLocks noChangeAspect="1"/>
+          </p:cNvPicPr>
+          <p:nvPr/>
+        </p:nvPicPr>
+        <p:blipFill>
+          <a:blip r:embed="rId2"/>
+          <a:stretch>
+            <a:fillRect/>
+          </a:stretch>
+        </p:blipFill>
+        <p:spPr>
+          <a:xfrm>
+            <a:off x="5410200" y="541606"/>
+            <a:ext cx="5448300" cy="2099104"/>
+          </a:xfrm>
+          <a:prstGeom prst="rect">
+            <a:avLst/>
+          </a:prstGeom>
+        </p:spPr>
+      </p:pic>
+      <p:sp>
+        <p:nvSpPr>
+          <p:cNvPr id="3" name="Content Placeholder 2">
+            <a:extLst>
+              <a:ext uri="{FF2B5EF4-FFF2-40B4-BE49-F238E27FC236}">
+                <a16:creationId xmlns:a16="http://schemas.microsoft.com/office/drawing/2014/main" id="{27F92166-3E4E-E1D1-811C-9DB2ABBFDDA5}"/>
+              </a:ext>
+            </a:extLst>
+          </p:cNvPr>
+          <p:cNvSpPr>
+            <a:spLocks noGrp="1"/>
+          </p:cNvSpPr>
+          <p:nvPr>
+            <p:ph idx="1"/>
+          </p:nvPr>
+        </p:nvSpPr>
+        <p:spPr>
+          <a:xfrm>
+            <a:off x="4762500" y="3108960"/>
+            <a:ext cx="6730972" cy="3207434"/>
+          </a:xfrm>
+        </p:spPr>
+        <p:txBody>
+          <a:bodyPr>
+            <a:normAutofit/>
+          </a:bodyPr>
+          <a:lstStyle/>
+          <a:p>
+            <a:pPr>
+              <a:lnSpc>
+                <a:spcPct val="90000"/>
+              </a:lnSpc>
+            </a:pPr>
+            <a:r>
+              <a:rPr lang="en-US" sz="1700"/>
+              <a:t>The Gradient Boosting Classifier is a powerful tool for detecting phishing websites, leveraging a methodical approach to build a series of decision trees that correct each other's errors. It uniquely focuses on instances that are challenging to classify, adapting to the subtleties of phishing tactics. By optimizing the loss function, it emphasizes the importance of accurately identifying phishing attempts, penalizing false negatives to minimize security risks. This model stands out for its ability to handle complex non-linear relationships between features, enabling it to detect sophisticated phishing schemes with high accuracy. Its adaptability and continuous learning from data make it exceptionally effective in the evolving landscape of cybersecurity threats.</a:t>
+            </a:r>
+          </a:p>
+        </p:txBody>
+      </p:sp>
+    </p:spTree>
+    <p:extLst>
+      <p:ext uri="{BB962C8B-B14F-4D97-AF65-F5344CB8AC3E}">
+        <p14:creationId xmlns:p14="http://schemas.microsoft.com/office/powerpoint/2010/main" val="2165568398"/>
+      </p:ext>
+    </p:extLst>
+  </p:cSld>
+  <p:clrMapOvr>
+    <a:masterClrMapping/>
+  </p:clrMapOvr>
+</p:sld>
+</file>
+
+<file path=ppt/slides/slide16.xml><?xml version="1.0" encoding="utf-8"?>
+<p:sld xmlns:a="http://schemas.openxmlformats.org/drawingml/2006/main" xmlns:r="http://schemas.openxmlformats.org/officeDocument/2006/relationships" xmlns:p="http://schemas.openxmlformats.org/presentationml/2006/main">
+  <p:cSld>
+    <p:bg>
+      <p:bgPr>
+        <a:solidFill>
+          <a:schemeClr val="bg1"/>
+        </a:solidFill>
+        <a:effectLst/>
+      </p:bgPr>
+    </p:bg>
+    <p:spTree>
+      <p:nvGrpSpPr>
+        <p:cNvPr id="1" name=""/>
+        <p:cNvGrpSpPr/>
+        <p:nvPr/>
+      </p:nvGrpSpPr>
+      <p:grpSpPr>
+        <a:xfrm>
+          <a:off x="0" y="0"/>
+          <a:ext cx="0" cy="0"/>
+          <a:chOff x="0" y="0"/>
+          <a:chExt cx="0" cy="0"/>
+        </a:xfrm>
+      </p:grpSpPr>
+      <p:sp useBgFill="1">
+        <p:nvSpPr>
+          <p:cNvPr id="10" name="Rectangle 9">
+            <a:extLst>
+              <a:ext uri="{FF2B5EF4-FFF2-40B4-BE49-F238E27FC236}">
+                <a16:creationId xmlns:a16="http://schemas.microsoft.com/office/drawing/2014/main" id="{FE159530-DCF3-4A55-A165-60D619F192F0}"/>
+              </a:ext>
+              <a:ext uri="{C183D7F6-B498-43B3-948B-1728B52AA6E4}">
+                <adec:decorative xmlns:adec="http://schemas.microsoft.com/office/drawing/2017/decorative" val="1"/>
+              </a:ext>
+            </a:extLst>
+          </p:cNvPr>
+          <p:cNvSpPr>
+            <a:spLocks noGrp="1" noRot="1" noChangeAspect="1" noMove="1" noResize="1" noEditPoints="1" noAdjustHandles="1" noChangeArrowheads="1" noChangeShapeType="1" noTextEdit="1"/>
+          </p:cNvSpPr>
+          <p:nvPr>
+            <p:extLst>
+              <p:ext uri="{386F3935-93C4-4BCD-93E2-E3B085C9AB24}">
+                <p16:designElem xmlns:p16="http://schemas.microsoft.com/office/powerpoint/2015/main" val="1"/>
+              </p:ext>
+            </p:extLst>
+          </p:nvPr>
+        </p:nvSpPr>
+        <p:spPr>
+          <a:xfrm>
+            <a:off x="0" y="0"/>
+            <a:ext cx="12192000" cy="6858000"/>
+          </a:xfrm>
+          <a:prstGeom prst="rect">
+            <a:avLst/>
+          </a:prstGeom>
+          <a:ln w="12700" cap="flat" cmpd="sng" algn="ctr">
+            <a:noFill/>
+            <a:prstDash val="solid"/>
+            <a:miter lim="800000"/>
+          </a:ln>
+          <a:effectLst/>
+          <a:extLst>
+            <a:ext uri="{91240B29-F687-4F45-9708-019B960494DF}">
+              <a14:hiddenLine xmlns:a14="http://schemas.microsoft.com/office/drawing/2010/main" w="12700" cap="flat" cmpd="sng" algn="ctr">
+                <a:solidFill>
+                  <a:schemeClr val="accent1">
+                    <a:shade val="50000"/>
+                  </a:schemeClr>
+                </a:solidFill>
+                <a:prstDash val="solid"/>
+                <a:miter lim="800000"/>
+              </a14:hiddenLine>
+            </a:ext>
+          </a:extLst>
+        </p:spPr>
+        <p:style>
+          <a:lnRef idx="2">
+            <a:schemeClr val="accent1">
+              <a:shade val="50000"/>
+            </a:schemeClr>
+          </a:lnRef>
+          <a:fillRef idx="1">
+            <a:schemeClr val="accent1"/>
+          </a:fillRef>
+          <a:effectRef idx="0">
+            <a:schemeClr val="accent1"/>
+          </a:effectRef>
+          <a:fontRef idx="minor">
+            <a:schemeClr val="lt1"/>
+          </a:fontRef>
+        </p:style>
+        <p:txBody>
+          <a:bodyPr rtlCol="0" anchor="ctr"/>
+          <a:lstStyle/>
+          <a:p>
+            <a:pPr algn="ctr"/>
+            <a:endParaRPr lang="en-US"/>
+          </a:p>
+        </p:txBody>
+      </p:sp>
+      <p:sp>
+        <p:nvSpPr>
+          <p:cNvPr id="12" name="Rectangle 11">
+            <a:extLst>
+              <a:ext uri="{FF2B5EF4-FFF2-40B4-BE49-F238E27FC236}">
+                <a16:creationId xmlns:a16="http://schemas.microsoft.com/office/drawing/2014/main" id="{8A7C3535-4FB5-4E5B-BDFE-FA61877AF1A9}"/>
+              </a:ext>
+              <a:ext uri="{C183D7F6-B498-43B3-948B-1728B52AA6E4}">
+                <adec:decorative xmlns:adec="http://schemas.microsoft.com/office/drawing/2017/decorative" val="1"/>
+              </a:ext>
+            </a:extLst>
+          </p:cNvPr>
+          <p:cNvSpPr>
+            <a:spLocks noGrp="1" noRot="1" noChangeAspect="1" noMove="1" noResize="1" noEditPoints="1" noAdjustHandles="1" noChangeArrowheads="1" noChangeShapeType="1" noTextEdit="1"/>
+          </p:cNvSpPr>
+          <p:nvPr>
+            <p:extLst>
+              <p:ext uri="{386F3935-93C4-4BCD-93E2-E3B085C9AB24}">
+                <p16:designElem xmlns:p16="http://schemas.microsoft.com/office/powerpoint/2015/main" val="1"/>
+              </p:ext>
+            </p:extLst>
+          </p:nvPr>
+        </p:nvSpPr>
+        <p:spPr>
+          <a:xfrm>
+            <a:off x="0" y="0"/>
+            <a:ext cx="4076700" cy="6858000"/>
+          </a:xfrm>
+          <a:prstGeom prst="rect">
+            <a:avLst/>
+          </a:prstGeom>
+          <a:solidFill>
+            <a:schemeClr val="tx2">
+              <a:lumMod val="75000"/>
+              <a:lumOff val="25000"/>
+              <a:alpha val="25000"/>
+            </a:schemeClr>
+          </a:solidFill>
+          <a:ln>
+            <a:noFill/>
+          </a:ln>
+        </p:spPr>
+        <p:style>
+          <a:lnRef idx="2">
+            <a:schemeClr val="accent1">
+              <a:shade val="50000"/>
+            </a:schemeClr>
+          </a:lnRef>
+          <a:fillRef idx="1">
+            <a:schemeClr val="accent1"/>
+          </a:fillRef>
+          <a:effectRef idx="0">
+            <a:schemeClr val="accent1"/>
+          </a:effectRef>
+          <a:fontRef idx="minor">
+            <a:schemeClr val="lt1"/>
+          </a:fontRef>
+        </p:style>
+        <p:txBody>
+          <a:bodyPr rtlCol="0" anchor="ctr"/>
+          <a:lstStyle/>
+          <a:p>
+            <a:pPr algn="ctr"/>
+            <a:endParaRPr lang="en-US"/>
+          </a:p>
+        </p:txBody>
+      </p:sp>
+      <p:sp>
+        <p:nvSpPr>
+          <p:cNvPr id="2" name="Title 1">
+            <a:extLst>
+              <a:ext uri="{FF2B5EF4-FFF2-40B4-BE49-F238E27FC236}">
+                <a16:creationId xmlns:a16="http://schemas.microsoft.com/office/drawing/2014/main" id="{44221E40-0FC7-5272-5A2E-E480D06E9720}"/>
+              </a:ext>
+            </a:extLst>
+          </p:cNvPr>
+          <p:cNvSpPr>
+            <a:spLocks noGrp="1"/>
+          </p:cNvSpPr>
+          <p:nvPr>
+            <p:ph type="title"/>
+          </p:nvPr>
+        </p:nvSpPr>
+        <p:spPr>
+          <a:xfrm>
+            <a:off x="698528" y="1371600"/>
+            <a:ext cx="2692372" cy="4114800"/>
+          </a:xfrm>
+        </p:spPr>
+        <p:txBody>
+          <a:bodyPr anchor="ctr">
+            <a:normAutofit/>
+          </a:bodyPr>
+          <a:lstStyle/>
+          <a:p>
+            <a:pPr algn="ctr"/>
+            <a:r>
+              <a:rPr lang="en-US" sz="3000"/>
+              <a:t>MLP classifier</a:t>
+            </a:r>
+          </a:p>
+        </p:txBody>
+      </p:sp>
+      <p:pic>
+        <p:nvPicPr>
+          <p:cNvPr id="5" name="Picture 4" descr="A screenshot of a computer&#10;&#10;Description automatically generated">
+            <a:extLst>
+              <a:ext uri="{FF2B5EF4-FFF2-40B4-BE49-F238E27FC236}">
+                <a16:creationId xmlns:a16="http://schemas.microsoft.com/office/drawing/2014/main" id="{02AB4FAF-F21F-58F9-7701-D59B3216DB46}"/>
+              </a:ext>
+            </a:extLst>
+          </p:cNvPr>
+          <p:cNvPicPr>
+            <a:picLocks noChangeAspect="1"/>
+          </p:cNvPicPr>
+          <p:nvPr/>
+        </p:nvPicPr>
+        <p:blipFill>
+          <a:blip r:embed="rId2"/>
+          <a:stretch>
+            <a:fillRect/>
+          </a:stretch>
+        </p:blipFill>
+        <p:spPr>
+          <a:xfrm>
+            <a:off x="5410200" y="414338"/>
+            <a:ext cx="5448300" cy="2226372"/>
+          </a:xfrm>
+          <a:prstGeom prst="rect">
+            <a:avLst/>
+          </a:prstGeom>
+        </p:spPr>
+      </p:pic>
+      <p:sp>
+        <p:nvSpPr>
+          <p:cNvPr id="3" name="Content Placeholder 2">
+            <a:extLst>
+              <a:ext uri="{FF2B5EF4-FFF2-40B4-BE49-F238E27FC236}">
+                <a16:creationId xmlns:a16="http://schemas.microsoft.com/office/drawing/2014/main" id="{0C046339-2E0A-0927-9A24-02AFB6DC1869}"/>
+              </a:ext>
+            </a:extLst>
+          </p:cNvPr>
+          <p:cNvSpPr>
+            <a:spLocks noGrp="1"/>
+          </p:cNvSpPr>
+          <p:nvPr>
+            <p:ph idx="1"/>
+          </p:nvPr>
+        </p:nvSpPr>
+        <p:spPr>
+          <a:xfrm>
+            <a:off x="4762499" y="3108960"/>
+            <a:ext cx="7167563" cy="3207434"/>
+          </a:xfrm>
+        </p:spPr>
+        <p:txBody>
+          <a:bodyPr>
+            <a:normAutofit fontScale="92500" lnSpcReduction="10000"/>
+          </a:bodyPr>
+          <a:lstStyle/>
+          <a:p>
+            <a:pPr>
+              <a:lnSpc>
+                <a:spcPct val="90000"/>
+              </a:lnSpc>
+            </a:pPr>
+            <a:r>
+              <a:rPr lang="en-US" sz="1400" dirty="0"/>
+              <a:t>The Multilayer Perceptron (MLP) Classifier, a type of neural network, is adept at identifying complex patterns and relationships within data through its multiple layers of nodes or neurons. When applied to phishing website detection, the MLP Classifier processes various features of websites, such as URL structure, use of HTTPS, presence of suspicious tokens, and more, through its interconnected layers to discern between legitimate and phishing sites.</a:t>
+            </a:r>
+          </a:p>
+          <a:p>
+            <a:pPr marL="0" indent="0">
+              <a:lnSpc>
+                <a:spcPct val="90000"/>
+              </a:lnSpc>
+              <a:buNone/>
+            </a:pPr>
+            <a:r>
+              <a:rPr lang="en-US" sz="1400" b="1" dirty="0"/>
+              <a:t>How It Works in Phishing Website Detection:</a:t>
+            </a:r>
+          </a:p>
+          <a:p>
+            <a:pPr>
+              <a:lnSpc>
+                <a:spcPct val="90000"/>
+              </a:lnSpc>
+            </a:pPr>
+            <a:r>
+              <a:rPr lang="en-US" sz="1400" dirty="0"/>
+              <a:t>Input Layer: The first layer receives raw input features, each representing specific characteristics of websites that could indicate phishing activities, such as the length of the URL, whether the site uses secure protocols, or if there are many redirects.</a:t>
+            </a:r>
+          </a:p>
+          <a:p>
+            <a:pPr>
+              <a:lnSpc>
+                <a:spcPct val="90000"/>
+              </a:lnSpc>
+            </a:pPr>
+            <a:r>
+              <a:rPr lang="en-US" sz="1400" dirty="0"/>
+              <a:t>Hidden Layers: These layers, containing neurons with activation functions, allow the MLP to learn non-linear relationships between features. Through training, the MLP adjusts the weights of connections between neurons across these layers, improving its ability to recognize patterns indicative of phishing.</a:t>
+            </a:r>
+          </a:p>
+          <a:p>
+            <a:pPr>
+              <a:lnSpc>
+                <a:spcPct val="90000"/>
+              </a:lnSpc>
+            </a:pPr>
+            <a:r>
+              <a:rPr lang="en-US" sz="1400" dirty="0"/>
+              <a:t>Output Layer: The final layer outputs the classification result, indicating the likelihood that a given website is phishing or legitimate. This is typically done through a </a:t>
+            </a:r>
+            <a:r>
+              <a:rPr lang="en-US" sz="1400" dirty="0" err="1"/>
+              <a:t>softmax</a:t>
+            </a:r>
+            <a:r>
+              <a:rPr lang="en-US" sz="1400" dirty="0"/>
+              <a:t> function that provides probabilities for each class.</a:t>
+            </a:r>
+          </a:p>
+          <a:p>
+            <a:pPr>
+              <a:lnSpc>
+                <a:spcPct val="90000"/>
+              </a:lnSpc>
+            </a:pPr>
+            <a:endParaRPr lang="en-US" sz="1100" dirty="0"/>
+          </a:p>
+        </p:txBody>
+      </p:sp>
+    </p:spTree>
+    <p:extLst>
+      <p:ext uri="{BB962C8B-B14F-4D97-AF65-F5344CB8AC3E}">
+        <p14:creationId xmlns:p14="http://schemas.microsoft.com/office/powerpoint/2010/main" val="1305028800"/>
+      </p:ext>
+    </p:extLst>
+  </p:cSld>
+  <p:clrMapOvr>
+    <a:masterClrMapping/>
+  </p:clrMapOvr>
+</p:sld>
+</file>
+
+<file path=ppt/slides/slide17.xml><?xml version="1.0" encoding="utf-8"?>
+<p:sld xmlns:a="http://schemas.openxmlformats.org/drawingml/2006/main" xmlns:r="http://schemas.openxmlformats.org/officeDocument/2006/relationships" xmlns:p="http://schemas.openxmlformats.org/presentationml/2006/main">
+  <p:cSld>
+    <p:bg>
+      <p:bgPr>
+        <a:solidFill>
+          <a:schemeClr val="bg1"/>
+        </a:solidFill>
+        <a:effectLst/>
+      </p:bgPr>
+    </p:bg>
+    <p:spTree>
+      <p:nvGrpSpPr>
+        <p:cNvPr id="1" name=""/>
+        <p:cNvGrpSpPr/>
+        <p:nvPr/>
+      </p:nvGrpSpPr>
+      <p:grpSpPr>
+        <a:xfrm>
+          <a:off x="0" y="0"/>
+          <a:ext cx="0" cy="0"/>
+          <a:chOff x="0" y="0"/>
+          <a:chExt cx="0" cy="0"/>
+        </a:xfrm>
+      </p:grpSpPr>
+      <p:sp useBgFill="1">
+        <p:nvSpPr>
+          <p:cNvPr id="17" name="Rectangle 16">
+            <a:extLst>
+              <a:ext uri="{FF2B5EF4-FFF2-40B4-BE49-F238E27FC236}">
+                <a16:creationId xmlns:a16="http://schemas.microsoft.com/office/drawing/2014/main" id="{9E433CB3-EAB2-4842-A1DD-7BC051B55670}"/>
+              </a:ext>
+              <a:ext uri="{C183D7F6-B498-43B3-948B-1728B52AA6E4}">
+                <adec:decorative xmlns:adec="http://schemas.microsoft.com/office/drawing/2017/decorative" val="1"/>
+              </a:ext>
+            </a:extLst>
+          </p:cNvPr>
+          <p:cNvSpPr>
+            <a:spLocks noGrp="1" noRot="1" noChangeAspect="1" noMove="1" noResize="1" noEditPoints="1" noAdjustHandles="1" noChangeArrowheads="1" noChangeShapeType="1" noTextEdit="1"/>
+          </p:cNvSpPr>
+          <p:nvPr>
+            <p:extLst>
+              <p:ext uri="{386F3935-93C4-4BCD-93E2-E3B085C9AB24}">
+                <p16:designElem xmlns:p16="http://schemas.microsoft.com/office/powerpoint/2015/main" val="1"/>
+              </p:ext>
+            </p:extLst>
+          </p:nvPr>
+        </p:nvSpPr>
+        <p:spPr>
+          <a:xfrm>
+            <a:off x="0" y="0"/>
+            <a:ext cx="12192000" cy="6858000"/>
+          </a:xfrm>
+          <a:prstGeom prst="rect">
+            <a:avLst/>
+          </a:prstGeom>
+          <a:ln w="12700" cap="flat" cmpd="sng" algn="ctr">
+            <a:noFill/>
+            <a:prstDash val="solid"/>
+            <a:miter lim="800000"/>
+          </a:ln>
+          <a:effectLst/>
+          <a:extLst>
+            <a:ext uri="{91240B29-F687-4F45-9708-019B960494DF}">
+              <a14:hiddenLine xmlns:a14="http://schemas.microsoft.com/office/drawing/2010/main" w="12700" cap="flat" cmpd="sng" algn="ctr">
+                <a:solidFill>
+                  <a:schemeClr val="accent1">
+                    <a:shade val="50000"/>
+                  </a:schemeClr>
+                </a:solidFill>
+                <a:prstDash val="solid"/>
+                <a:miter lim="800000"/>
+              </a14:hiddenLine>
+            </a:ext>
+          </a:extLst>
+        </p:spPr>
+        <p:style>
+          <a:lnRef idx="2">
+            <a:schemeClr val="accent1">
+              <a:shade val="50000"/>
+            </a:schemeClr>
+          </a:lnRef>
+          <a:fillRef idx="1">
+            <a:schemeClr val="accent1"/>
+          </a:fillRef>
+          <a:effectRef idx="0">
+            <a:schemeClr val="accent1"/>
+          </a:effectRef>
+          <a:fontRef idx="minor">
+            <a:schemeClr val="lt1"/>
+          </a:fontRef>
+        </p:style>
+        <p:txBody>
+          <a:bodyPr rtlCol="0" anchor="ctr"/>
+          <a:lstStyle/>
+          <a:p>
+            <a:pPr algn="ctr"/>
+            <a:endParaRPr lang="en-US"/>
+          </a:p>
+        </p:txBody>
+      </p:sp>
+      <p:pic>
+        <p:nvPicPr>
+          <p:cNvPr id="5" name="Content Placeholder 4" descr="A screenshot of a computer&#10;&#10;Description automatically generated">
+            <a:extLst>
+              <a:ext uri="{FF2B5EF4-FFF2-40B4-BE49-F238E27FC236}">
+                <a16:creationId xmlns:a16="http://schemas.microsoft.com/office/drawing/2014/main" id="{95BDB478-4967-FB06-07BA-A7F4DA1762EB}"/>
+              </a:ext>
+            </a:extLst>
+          </p:cNvPr>
+          <p:cNvPicPr>
+            <a:picLocks noGrp="1" noChangeAspect="1"/>
+          </p:cNvPicPr>
+          <p:nvPr>
+            <p:ph idx="1"/>
+          </p:nvPr>
+        </p:nvPicPr>
+        <p:blipFill rotWithShape="1">
+          <a:blip r:embed="rId2"/>
+          <a:srcRect t="3846"/>
+          <a:stretch/>
+        </p:blipFill>
+        <p:spPr>
+          <a:xfrm>
+            <a:off x="1" y="10"/>
+            <a:ext cx="12192000" cy="6857990"/>
+          </a:xfrm>
+          <a:prstGeom prst="rect">
+            <a:avLst/>
+          </a:prstGeom>
+        </p:spPr>
+      </p:pic>
+      <p:sp>
+        <p:nvSpPr>
+          <p:cNvPr id="19" name="Rectangle 18">
+            <a:extLst>
+              <a:ext uri="{FF2B5EF4-FFF2-40B4-BE49-F238E27FC236}">
+                <a16:creationId xmlns:a16="http://schemas.microsoft.com/office/drawing/2014/main" id="{D37E9081-32E2-43C3-80C8-7F3854D9D056}"/>
+              </a:ext>
+              <a:ext uri="{C183D7F6-B498-43B3-948B-1728B52AA6E4}">
+                <adec:decorative xmlns:adec="http://schemas.microsoft.com/office/drawing/2017/decorative" val="1"/>
+              </a:ext>
+            </a:extLst>
+          </p:cNvPr>
+          <p:cNvSpPr>
+            <a:spLocks noGrp="1" noRot="1" noChangeAspect="1" noMove="1" noResize="1" noEditPoints="1" noAdjustHandles="1" noChangeArrowheads="1" noChangeShapeType="1" noTextEdit="1"/>
+          </p:cNvSpPr>
+          <p:nvPr>
+            <p:extLst>
+              <p:ext uri="{386F3935-93C4-4BCD-93E2-E3B085C9AB24}">
+                <p16:designElem xmlns:p16="http://schemas.microsoft.com/office/powerpoint/2015/main" val="1"/>
+              </p:ext>
+            </p:extLst>
+          </p:nvPr>
+        </p:nvSpPr>
+        <p:spPr>
+          <a:xfrm rot="10800000">
+            <a:off x="0" y="-1"/>
+            <a:ext cx="12192000" cy="3429000"/>
+          </a:xfrm>
+          <a:prstGeom prst="rect">
+            <a:avLst/>
+          </a:prstGeom>
+          <a:gradFill>
+            <a:gsLst>
+              <a:gs pos="47000">
+                <a:srgbClr val="000000">
+                  <a:alpha val="23000"/>
+                </a:srgbClr>
+              </a:gs>
+              <a:gs pos="0">
+                <a:srgbClr val="000000">
+                  <a:alpha val="0"/>
+                </a:srgbClr>
+              </a:gs>
+              <a:gs pos="100000">
+                <a:srgbClr val="000000">
+                  <a:alpha val="30000"/>
+                </a:srgbClr>
+              </a:gs>
+            </a:gsLst>
+            <a:lin ang="5400000" scaled="1"/>
+          </a:gradFill>
+          <a:ln>
+            <a:noFill/>
+          </a:ln>
+        </p:spPr>
+        <p:style>
+          <a:lnRef idx="2">
+            <a:schemeClr val="accent1">
+              <a:shade val="50000"/>
+            </a:schemeClr>
+          </a:lnRef>
+          <a:fillRef idx="1">
+            <a:schemeClr val="accent1"/>
+          </a:fillRef>
+          <a:effectRef idx="0">
+            <a:schemeClr val="accent1"/>
+          </a:effectRef>
+          <a:fontRef idx="minor">
+            <a:schemeClr val="lt1"/>
+          </a:fontRef>
+        </p:style>
+        <p:txBody>
+          <a:bodyPr rtlCol="0" anchor="ctr"/>
+          <a:lstStyle/>
+          <a:p>
+            <a:pPr algn="ctr"/>
+            <a:endParaRPr lang="en-US"/>
+          </a:p>
+        </p:txBody>
+      </p:sp>
+      <p:sp>
+        <p:nvSpPr>
+          <p:cNvPr id="2" name="Title 1">
+            <a:extLst>
+              <a:ext uri="{FF2B5EF4-FFF2-40B4-BE49-F238E27FC236}">
+                <a16:creationId xmlns:a16="http://schemas.microsoft.com/office/drawing/2014/main" id="{56DD5E7F-1870-D4E6-3AE1-FFAF5ABE8281}"/>
+              </a:ext>
+            </a:extLst>
+          </p:cNvPr>
+          <p:cNvSpPr>
+            <a:spLocks noGrp="1"/>
+          </p:cNvSpPr>
+          <p:nvPr>
+            <p:ph type="title"/>
+          </p:nvPr>
+        </p:nvSpPr>
+        <p:spPr>
+          <a:xfrm>
+            <a:off x="1371600" y="457200"/>
+            <a:ext cx="9486900" cy="1281544"/>
+          </a:xfrm>
+        </p:spPr>
+        <p:txBody>
+          <a:bodyPr vert="horz" lIns="91440" tIns="45720" rIns="91440" bIns="45720" rtlCol="0" anchor="b">
+            <a:normAutofit/>
+          </a:bodyPr>
+          <a:lstStyle/>
+          <a:p>
+            <a:pPr algn="ctr"/>
+            <a:r>
+              <a:rPr lang="en-US" sz="3600" kern="1200" cap="all" spc="300" baseline="0">
+                <a:solidFill>
+                  <a:srgbClr val="FFFFFF"/>
+                </a:solidFill>
+                <a:latin typeface="+mj-lt"/>
+                <a:ea typeface="+mj-ea"/>
+                <a:cs typeface="+mj-cs"/>
+              </a:rPr>
+              <a:t>Sorting models based on accuracy</a:t>
+            </a:r>
+          </a:p>
+        </p:txBody>
+      </p:sp>
+    </p:spTree>
+    <p:extLst>
+      <p:ext uri="{BB962C8B-B14F-4D97-AF65-F5344CB8AC3E}">
+        <p14:creationId xmlns:p14="http://schemas.microsoft.com/office/powerpoint/2010/main" val="2056375138"/>
+      </p:ext>
+    </p:extLst>
+  </p:cSld>
+  <p:clrMapOvr>
+    <a:masterClrMapping/>
+  </p:clrMapOvr>
+</p:sld>
+</file>
+
+<file path=ppt/slides/slide18.xml><?xml version="1.0" encoding="utf-8"?>
+<p:sld xmlns:a="http://schemas.openxmlformats.org/drawingml/2006/main" xmlns:r="http://schemas.openxmlformats.org/officeDocument/2006/relationships" xmlns:p="http://schemas.openxmlformats.org/presentationml/2006/main">
+  <p:cSld>
+    <p:bg>
+      <p:bgPr>
+        <a:solidFill>
+          <a:schemeClr val="bg1"/>
+        </a:solidFill>
+        <a:effectLst/>
+      </p:bgPr>
+    </p:bg>
+    <p:spTree>
+      <p:nvGrpSpPr>
+        <p:cNvPr id="1" name=""/>
+        <p:cNvGrpSpPr/>
+        <p:nvPr/>
+      </p:nvGrpSpPr>
+      <p:grpSpPr>
+        <a:xfrm>
+          <a:off x="0" y="0"/>
+          <a:ext cx="0" cy="0"/>
+          <a:chOff x="0" y="0"/>
+          <a:chExt cx="0" cy="0"/>
+        </a:xfrm>
+      </p:grpSpPr>
+      <p:sp useBgFill="1">
+        <p:nvSpPr>
+          <p:cNvPr id="9" name="Rectangle 8">
+            <a:extLst>
+              <a:ext uri="{FF2B5EF4-FFF2-40B4-BE49-F238E27FC236}">
+                <a16:creationId xmlns:a16="http://schemas.microsoft.com/office/drawing/2014/main" id="{4FEFA976-0132-4AF3-B3A3-B2D1C89C6E30}"/>
+              </a:ext>
+              <a:ext uri="{C183D7F6-B498-43B3-948B-1728B52AA6E4}">
+                <adec:decorative xmlns:adec="http://schemas.microsoft.com/office/drawing/2017/decorative" val="1"/>
+              </a:ext>
+            </a:extLst>
+          </p:cNvPr>
+          <p:cNvSpPr>
+            <a:spLocks noGrp="1" noRot="1" noChangeAspect="1" noMove="1" noResize="1" noEditPoints="1" noAdjustHandles="1" noChangeArrowheads="1" noChangeShapeType="1" noTextEdit="1"/>
+          </p:cNvSpPr>
+          <p:nvPr>
+            <p:extLst>
+              <p:ext uri="{386F3935-93C4-4BCD-93E2-E3B085C9AB24}">
+                <p16:designElem xmlns:p16="http://schemas.microsoft.com/office/powerpoint/2015/main" val="1"/>
+              </p:ext>
+            </p:extLst>
+          </p:nvPr>
+        </p:nvSpPr>
+        <p:spPr>
+          <a:xfrm>
+            <a:off x="0" y="0"/>
+            <a:ext cx="12192000" cy="6858000"/>
+          </a:xfrm>
+          <a:prstGeom prst="rect">
+            <a:avLst/>
+          </a:prstGeom>
+          <a:ln w="12700" cap="flat" cmpd="sng" algn="ctr">
+            <a:noFill/>
+            <a:prstDash val="solid"/>
+            <a:miter lim="800000"/>
+          </a:ln>
+          <a:effectLst/>
+          <a:extLst>
+            <a:ext uri="{91240B29-F687-4F45-9708-019B960494DF}">
+              <a14:hiddenLine xmlns:a14="http://schemas.microsoft.com/office/drawing/2010/main" w="12700" cap="flat" cmpd="sng" algn="ctr">
+                <a:solidFill>
+                  <a:schemeClr val="accent1">
+                    <a:shade val="50000"/>
+                  </a:schemeClr>
+                </a:solidFill>
+                <a:prstDash val="solid"/>
+                <a:miter lim="800000"/>
+              </a14:hiddenLine>
+            </a:ext>
+          </a:extLst>
+        </p:spPr>
+        <p:style>
+          <a:lnRef idx="2">
+            <a:schemeClr val="accent1">
+              <a:shade val="50000"/>
+            </a:schemeClr>
+          </a:lnRef>
+          <a:fillRef idx="1">
+            <a:schemeClr val="accent1"/>
+          </a:fillRef>
+          <a:effectRef idx="0">
+            <a:schemeClr val="accent1"/>
+          </a:effectRef>
+          <a:fontRef idx="minor">
+            <a:schemeClr val="lt1"/>
+          </a:fontRef>
+        </p:style>
+        <p:txBody>
+          <a:bodyPr rtlCol="0" anchor="ctr"/>
+          <a:lstStyle/>
+          <a:p>
+            <a:pPr algn="ctr"/>
+            <a:endParaRPr lang="en-US"/>
+          </a:p>
+        </p:txBody>
+      </p:sp>
+      <p:sp>
+        <p:nvSpPr>
+          <p:cNvPr id="11" name="Rectangle 10">
+            <a:extLst>
+              <a:ext uri="{FF2B5EF4-FFF2-40B4-BE49-F238E27FC236}">
+                <a16:creationId xmlns:a16="http://schemas.microsoft.com/office/drawing/2014/main" id="{65BA7CAF-5EE9-4EEE-9E12-B2CECCB94D62}"/>
+              </a:ext>
+              <a:ext uri="{C183D7F6-B498-43B3-948B-1728B52AA6E4}">
+                <adec:decorative xmlns:adec="http://schemas.microsoft.com/office/drawing/2017/decorative" val="1"/>
+              </a:ext>
+            </a:extLst>
+          </p:cNvPr>
+          <p:cNvSpPr>
+            <a:spLocks noGrp="1" noRot="1" noChangeAspect="1" noMove="1" noResize="1" noEditPoints="1" noAdjustHandles="1" noChangeArrowheads="1" noChangeShapeType="1" noTextEdit="1"/>
+          </p:cNvSpPr>
+          <p:nvPr>
+            <p:extLst>
+              <p:ext uri="{386F3935-93C4-4BCD-93E2-E3B085C9AB24}">
+                <p16:designElem xmlns:p16="http://schemas.microsoft.com/office/powerpoint/2015/main" val="1"/>
+              </p:ext>
+            </p:extLst>
+          </p:nvPr>
+        </p:nvSpPr>
+        <p:spPr>
+          <a:xfrm>
+            <a:off x="0" y="0"/>
+            <a:ext cx="12192000" cy="6857999"/>
+          </a:xfrm>
+          <a:prstGeom prst="rect">
+            <a:avLst/>
+          </a:prstGeom>
+          <a:solidFill>
+            <a:schemeClr val="tx2">
+              <a:lumMod val="75000"/>
+              <a:lumOff val="25000"/>
+            </a:schemeClr>
+          </a:solidFill>
+          <a:ln>
+            <a:noFill/>
+          </a:ln>
+        </p:spPr>
+        <p:style>
+          <a:lnRef idx="2">
+            <a:schemeClr val="accent1">
+              <a:shade val="50000"/>
+            </a:schemeClr>
+          </a:lnRef>
+          <a:fillRef idx="1">
+            <a:schemeClr val="accent1"/>
+          </a:fillRef>
+          <a:effectRef idx="0">
+            <a:schemeClr val="accent1"/>
+          </a:effectRef>
+          <a:fontRef idx="minor">
+            <a:schemeClr val="lt1"/>
+          </a:fontRef>
+        </p:style>
+        <p:txBody>
+          <a:bodyPr rtlCol="0" anchor="ctr"/>
+          <a:lstStyle/>
+          <a:p>
+            <a:pPr algn="ctr"/>
+            <a:endParaRPr lang="en-US"/>
+          </a:p>
+        </p:txBody>
+      </p:sp>
+      <p:sp useBgFill="1">
+        <p:nvSpPr>
+          <p:cNvPr id="13" name="Rectangle 12">
+            <a:extLst>
+              <a:ext uri="{FF2B5EF4-FFF2-40B4-BE49-F238E27FC236}">
+                <a16:creationId xmlns:a16="http://schemas.microsoft.com/office/drawing/2014/main" id="{EC199F73-795E-469A-AF4B-13FA2C7AB76F}"/>
+              </a:ext>
+              <a:ext uri="{C183D7F6-B498-43B3-948B-1728B52AA6E4}">
+                <adec:decorative xmlns:adec="http://schemas.microsoft.com/office/drawing/2017/decorative" val="1"/>
+              </a:ext>
+            </a:extLst>
+          </p:cNvPr>
+          <p:cNvSpPr>
+            <a:spLocks noGrp="1" noRot="1" noChangeAspect="1" noMove="1" noResize="1" noEditPoints="1" noAdjustHandles="1" noChangeArrowheads="1" noChangeShapeType="1" noTextEdit="1"/>
+          </p:cNvSpPr>
+          <p:nvPr>
+            <p:extLst>
+              <p:ext uri="{386F3935-93C4-4BCD-93E2-E3B085C9AB24}">
+                <p16:designElem xmlns:p16="http://schemas.microsoft.com/office/powerpoint/2015/main" val="1"/>
+              </p:ext>
+            </p:extLst>
+          </p:nvPr>
+        </p:nvSpPr>
+        <p:spPr>
+          <a:xfrm>
+            <a:off x="1371600" y="1371600"/>
+            <a:ext cx="9486900" cy="4114802"/>
+          </a:xfrm>
+          <a:prstGeom prst="rect">
+            <a:avLst/>
+          </a:prstGeom>
+          <a:ln>
+            <a:noFill/>
+          </a:ln>
+        </p:spPr>
+        <p:style>
+          <a:lnRef idx="2">
+            <a:schemeClr val="accent1">
+              <a:shade val="50000"/>
+            </a:schemeClr>
+          </a:lnRef>
+          <a:fillRef idx="1">
+            <a:schemeClr val="accent1"/>
+          </a:fillRef>
+          <a:effectRef idx="0">
+            <a:schemeClr val="accent1"/>
+          </a:effectRef>
+          <a:fontRef idx="minor">
+            <a:schemeClr val="lt1"/>
+          </a:fontRef>
+        </p:style>
+        <p:txBody>
+          <a:bodyPr rtlCol="0" anchor="ctr"/>
+          <a:lstStyle/>
+          <a:p>
+            <a:pPr algn="ctr"/>
+            <a:endParaRPr lang="en-US"/>
+          </a:p>
+        </p:txBody>
+      </p:sp>
+      <p:sp>
+        <p:nvSpPr>
+          <p:cNvPr id="4" name="Title 3">
+            <a:extLst>
+              <a:ext uri="{FF2B5EF4-FFF2-40B4-BE49-F238E27FC236}">
+                <a16:creationId xmlns:a16="http://schemas.microsoft.com/office/drawing/2014/main" id="{94413F2B-8E85-8803-F8E9-019109902076}"/>
+              </a:ext>
+            </a:extLst>
+          </p:cNvPr>
+          <p:cNvSpPr>
+            <a:spLocks noGrp="1"/>
+          </p:cNvSpPr>
+          <p:nvPr>
+            <p:ph type="title"/>
+          </p:nvPr>
+        </p:nvSpPr>
+        <p:spPr>
+          <a:xfrm>
+            <a:off x="2057400" y="1228725"/>
+            <a:ext cx="8115300" cy="4114802"/>
+          </a:xfrm>
+        </p:spPr>
+        <p:txBody>
+          <a:bodyPr vert="horz" lIns="91440" tIns="45720" rIns="91440" bIns="45720" rtlCol="0" anchor="b">
+            <a:normAutofit/>
+          </a:bodyPr>
+          <a:lstStyle/>
+          <a:p>
+            <a:pPr algn="ctr"/>
+            <a:r>
+              <a:rPr lang="en-US" kern="1200" cap="all" spc="300" baseline="0" dirty="0">
+                <a:solidFill>
+                  <a:schemeClr val="tx2"/>
+                </a:solidFill>
+                <a:latin typeface="+mj-lt"/>
+                <a:ea typeface="+mj-ea"/>
+                <a:cs typeface="+mj-cs"/>
+              </a:rPr>
+              <a:t>Week 8 – Storing the best model results and Working on GUI</a:t>
+            </a:r>
+            <a:br>
+              <a:rPr lang="en-US" kern="1200" cap="all" spc="300" baseline="0" dirty="0">
+                <a:solidFill>
+                  <a:schemeClr val="tx2"/>
+                </a:solidFill>
+                <a:latin typeface="+mj-lt"/>
+                <a:ea typeface="+mj-ea"/>
+                <a:cs typeface="+mj-cs"/>
+              </a:rPr>
+            </a:br>
+            <a:br>
+              <a:rPr lang="en-US" kern="1200" cap="all" spc="300" baseline="0" dirty="0">
+                <a:solidFill>
+                  <a:schemeClr val="tx2"/>
+                </a:solidFill>
+                <a:latin typeface="+mj-lt"/>
+                <a:ea typeface="+mj-ea"/>
+                <a:cs typeface="+mj-cs"/>
+              </a:rPr>
+            </a:br>
+            <a:r>
+              <a:rPr lang="en-US" kern="1200" cap="all" spc="300" baseline="0" dirty="0">
+                <a:solidFill>
+                  <a:schemeClr val="tx2"/>
+                </a:solidFill>
+                <a:latin typeface="+mj-lt"/>
+                <a:ea typeface="+mj-ea"/>
+                <a:cs typeface="+mj-cs"/>
+              </a:rPr>
+              <a:t>to be continued….</a:t>
+            </a:r>
+            <a:br>
+              <a:rPr lang="en-US" kern="1200" cap="all" spc="300" baseline="0" dirty="0">
+                <a:solidFill>
+                  <a:schemeClr val="tx2"/>
+                </a:solidFill>
+                <a:latin typeface="+mj-lt"/>
+                <a:ea typeface="+mj-ea"/>
+                <a:cs typeface="+mj-cs"/>
+              </a:rPr>
+            </a:br>
+            <a:br>
+              <a:rPr lang="en-US" kern="1200" cap="all" spc="300" baseline="0" dirty="0">
+                <a:solidFill>
+                  <a:schemeClr val="tx2"/>
+                </a:solidFill>
+                <a:latin typeface="+mj-lt"/>
+                <a:ea typeface="+mj-ea"/>
+                <a:cs typeface="+mj-cs"/>
+              </a:rPr>
+            </a:br>
+            <a:endParaRPr lang="en-US" kern="1200" cap="all" spc="300" baseline="0" dirty="0">
+              <a:solidFill>
+                <a:schemeClr val="tx2"/>
+              </a:solidFill>
+              <a:latin typeface="+mj-lt"/>
+              <a:ea typeface="+mj-ea"/>
+              <a:cs typeface="+mj-cs"/>
+            </a:endParaRPr>
+          </a:p>
+        </p:txBody>
+      </p:sp>
+    </p:spTree>
+    <p:extLst>
+      <p:ext uri="{BB962C8B-B14F-4D97-AF65-F5344CB8AC3E}">
+        <p14:creationId xmlns:p14="http://schemas.microsoft.com/office/powerpoint/2010/main" val="2854674662"/>
+      </p:ext>
+    </p:extLst>
+  </p:cSld>
+  <p:clrMapOvr>
+    <a:masterClrMapping/>
+  </p:clrMapOvr>
+</p:sld>
+</file>
+
 <file path=ppt/slides/slide2.xml><?xml version="1.0" encoding="utf-8"?>
 <p:sld xmlns:a="http://schemas.openxmlformats.org/drawingml/2006/main" xmlns:r="http://schemas.openxmlformats.org/officeDocument/2006/relationships" xmlns:p="http://schemas.openxmlformats.org/presentationml/2006/main">
   <p:cSld>

--- a/Week 6 .pptx
+++ b/Week 6 .pptx
@@ -19,10 +19,17 @@
     <p:sldId id="273" r:id="rId13"/>
     <p:sldId id="267" r:id="rId14"/>
     <p:sldId id="268" r:id="rId15"/>
-    <p:sldId id="269" r:id="rId16"/>
-    <p:sldId id="270" r:id="rId17"/>
-    <p:sldId id="271" r:id="rId18"/>
-    <p:sldId id="272" r:id="rId19"/>
+    <p:sldId id="274" r:id="rId16"/>
+    <p:sldId id="269" r:id="rId17"/>
+    <p:sldId id="270" r:id="rId18"/>
+    <p:sldId id="271" r:id="rId19"/>
+    <p:sldId id="272" r:id="rId20"/>
+    <p:sldId id="276" r:id="rId21"/>
+    <p:sldId id="275" r:id="rId22"/>
+    <p:sldId id="277" r:id="rId23"/>
+    <p:sldId id="278" r:id="rId24"/>
+    <p:sldId id="279" r:id="rId25"/>
+    <p:sldId id="280" r:id="rId26"/>
   </p:sldIdLst>
   <p:sldSz cx="12192000" cy="6858000"/>
   <p:notesSz cx="6858000" cy="9144000"/>
@@ -5466,14 +5473,6 @@
 <file path=ppt/slides/slide15.xml><?xml version="1.0" encoding="utf-8"?>
 <p:sld xmlns:a="http://schemas.openxmlformats.org/drawingml/2006/main" xmlns:r="http://schemas.openxmlformats.org/officeDocument/2006/relationships" xmlns:p="http://schemas.openxmlformats.org/presentationml/2006/main">
   <p:cSld>
-    <p:bg>
-      <p:bgPr>
-        <a:solidFill>
-          <a:schemeClr val="bg1"/>
-        </a:solidFill>
-        <a:effectLst/>
-      </p:bgPr>
-    </p:bg>
     <p:spTree>
       <p:nvGrpSpPr>
         <p:cNvPr id="1" name=""/>
@@ -5488,155 +5487,12 @@
           <a:chExt cx="0" cy="0"/>
         </a:xfrm>
       </p:grpSpPr>
-      <p:sp useBgFill="1">
-        <p:nvSpPr>
-          <p:cNvPr id="10" name="Rectangle 9">
-            <a:extLst>
-              <a:ext uri="{FF2B5EF4-FFF2-40B4-BE49-F238E27FC236}">
-                <a16:creationId xmlns:a16="http://schemas.microsoft.com/office/drawing/2014/main" id="{FE159530-DCF3-4A55-A165-60D619F192F0}"/>
-              </a:ext>
-              <a:ext uri="{C183D7F6-B498-43B3-948B-1728B52AA6E4}">
-                <adec:decorative xmlns:adec="http://schemas.microsoft.com/office/drawing/2017/decorative" val="1"/>
-              </a:ext>
-            </a:extLst>
-          </p:cNvPr>
-          <p:cNvSpPr>
-            <a:spLocks noGrp="1" noRot="1" noChangeAspect="1" noMove="1" noResize="1" noEditPoints="1" noAdjustHandles="1" noChangeArrowheads="1" noChangeShapeType="1" noTextEdit="1"/>
-          </p:cNvSpPr>
-          <p:nvPr>
-            <p:extLst>
-              <p:ext uri="{386F3935-93C4-4BCD-93E2-E3B085C9AB24}">
-                <p16:designElem xmlns:p16="http://schemas.microsoft.com/office/powerpoint/2015/main" val="1"/>
-              </p:ext>
-            </p:extLst>
-          </p:nvPr>
-        </p:nvSpPr>
-        <p:spPr>
-          <a:xfrm>
-            <a:off x="0" y="0"/>
-            <a:ext cx="12192000" cy="6858000"/>
-          </a:xfrm>
-          <a:prstGeom prst="rect">
-            <a:avLst/>
-          </a:prstGeom>
-          <a:ln w="12700" cap="flat" cmpd="sng" algn="ctr">
-            <a:noFill/>
-            <a:prstDash val="solid"/>
-            <a:miter lim="800000"/>
-          </a:ln>
-          <a:effectLst/>
-          <a:extLst>
-            <a:ext uri="{91240B29-F687-4F45-9708-019B960494DF}">
-              <a14:hiddenLine xmlns:a14="http://schemas.microsoft.com/office/drawing/2010/main" w="12700" cap="flat" cmpd="sng" algn="ctr">
-                <a:solidFill>
-                  <a:schemeClr val="accent1">
-                    <a:shade val="50000"/>
-                  </a:schemeClr>
-                </a:solidFill>
-                <a:prstDash val="solid"/>
-                <a:miter lim="800000"/>
-              </a14:hiddenLine>
-            </a:ext>
-          </a:extLst>
-        </p:spPr>
-        <p:style>
-          <a:lnRef idx="2">
-            <a:schemeClr val="accent1">
-              <a:shade val="50000"/>
-            </a:schemeClr>
-          </a:lnRef>
-          <a:fillRef idx="1">
-            <a:schemeClr val="accent1"/>
-          </a:fillRef>
-          <a:effectRef idx="0">
-            <a:schemeClr val="accent1"/>
-          </a:effectRef>
-          <a:fontRef idx="minor">
-            <a:schemeClr val="lt1"/>
-          </a:fontRef>
-        </p:style>
-        <p:txBody>
-          <a:bodyPr rtlCol="0" anchor="ctr"/>
-          <a:lstStyle/>
-          <a:p>
-            <a:pPr algn="ctr"/>
-            <a:endParaRPr lang="en-US"/>
-          </a:p>
-        </p:txBody>
-      </p:sp>
-      <p:sp>
-        <p:nvSpPr>
-          <p:cNvPr id="12" name="Rectangle 11">
-            <a:extLst>
-              <a:ext uri="{FF2B5EF4-FFF2-40B4-BE49-F238E27FC236}">
-                <a16:creationId xmlns:a16="http://schemas.microsoft.com/office/drawing/2014/main" id="{8A7C3535-4FB5-4E5B-BDFE-FA61877AF1A9}"/>
-              </a:ext>
-              <a:ext uri="{C183D7F6-B498-43B3-948B-1728B52AA6E4}">
-                <adec:decorative xmlns:adec="http://schemas.microsoft.com/office/drawing/2017/decorative" val="1"/>
-              </a:ext>
-            </a:extLst>
-          </p:cNvPr>
-          <p:cNvSpPr>
-            <a:spLocks noGrp="1" noRot="1" noChangeAspect="1" noMove="1" noResize="1" noEditPoints="1" noAdjustHandles="1" noChangeArrowheads="1" noChangeShapeType="1" noTextEdit="1"/>
-          </p:cNvSpPr>
-          <p:nvPr>
-            <p:extLst>
-              <p:ext uri="{386F3935-93C4-4BCD-93E2-E3B085C9AB24}">
-                <p16:designElem xmlns:p16="http://schemas.microsoft.com/office/powerpoint/2015/main" val="1"/>
-              </p:ext>
-            </p:extLst>
-          </p:nvPr>
-        </p:nvSpPr>
-        <p:spPr>
-          <a:xfrm>
-            <a:off x="0" y="0"/>
-            <a:ext cx="4076700" cy="6858000"/>
-          </a:xfrm>
-          <a:prstGeom prst="rect">
-            <a:avLst/>
-          </a:prstGeom>
-          <a:solidFill>
-            <a:schemeClr val="tx2">
-              <a:lumMod val="75000"/>
-              <a:lumOff val="25000"/>
-              <a:alpha val="25000"/>
-            </a:schemeClr>
-          </a:solidFill>
-          <a:ln>
-            <a:noFill/>
-          </a:ln>
-        </p:spPr>
-        <p:style>
-          <a:lnRef idx="2">
-            <a:schemeClr val="accent1">
-              <a:shade val="50000"/>
-            </a:schemeClr>
-          </a:lnRef>
-          <a:fillRef idx="1">
-            <a:schemeClr val="accent1"/>
-          </a:fillRef>
-          <a:effectRef idx="0">
-            <a:schemeClr val="accent1"/>
-          </a:effectRef>
-          <a:fontRef idx="minor">
-            <a:schemeClr val="lt1"/>
-          </a:fontRef>
-        </p:style>
-        <p:txBody>
-          <a:bodyPr rtlCol="0" anchor="ctr"/>
-          <a:lstStyle/>
-          <a:p>
-            <a:pPr algn="ctr"/>
-            <a:endParaRPr lang="en-US"/>
-          </a:p>
-        </p:txBody>
-      </p:sp>
-      <p:sp>
-        <p:nvSpPr>
-          <p:cNvPr id="2" name="Title 1">
-            <a:extLst>
-              <a:ext uri="{FF2B5EF4-FFF2-40B4-BE49-F238E27FC236}">
-                <a16:creationId xmlns:a16="http://schemas.microsoft.com/office/drawing/2014/main" id="{B767FC63-9C13-4732-6B67-B7F3667C7AE2}"/>
+      <p:sp>
+        <p:nvSpPr>
+          <p:cNvPr id="5" name="Title 4">
+            <a:extLst>
+              <a:ext uri="{FF2B5EF4-FFF2-40B4-BE49-F238E27FC236}">
+                <a16:creationId xmlns:a16="http://schemas.microsoft.com/office/drawing/2014/main" id="{061AB063-A522-3CDF-BC3B-FEDCE08FE7DB}"/>
               </a:ext>
             </a:extLst>
           </p:cNvPr>
@@ -5649,74 +5505,8 @@
         </p:nvSpPr>
         <p:spPr>
           <a:xfrm>
-            <a:off x="698528" y="1371600"/>
-            <a:ext cx="2692372" cy="4114800"/>
-          </a:xfrm>
-        </p:spPr>
-        <p:txBody>
-          <a:bodyPr anchor="ctr">
-            <a:normAutofit/>
-          </a:bodyPr>
-          <a:lstStyle/>
-          <a:p>
-            <a:pPr algn="ctr"/>
-            <a:r>
-              <a:rPr lang="en-US" sz="3000" dirty="0"/>
-              <a:t>Gradient boosting classifier</a:t>
-            </a:r>
-          </a:p>
-        </p:txBody>
-      </p:sp>
-      <p:pic>
-        <p:nvPicPr>
-          <p:cNvPr id="5" name="Picture 4" descr="A screen shot of a computer&#10;&#10;Description automatically generated">
-            <a:extLst>
-              <a:ext uri="{FF2B5EF4-FFF2-40B4-BE49-F238E27FC236}">
-                <a16:creationId xmlns:a16="http://schemas.microsoft.com/office/drawing/2014/main" id="{706DA6D8-CF4B-B573-85E6-884ABF17704D}"/>
-              </a:ext>
-            </a:extLst>
-          </p:cNvPr>
-          <p:cNvPicPr>
-            <a:picLocks noChangeAspect="1"/>
-          </p:cNvPicPr>
-          <p:nvPr/>
-        </p:nvPicPr>
-        <p:blipFill>
-          <a:blip r:embed="rId2"/>
-          <a:stretch>
-            <a:fillRect/>
-          </a:stretch>
-        </p:blipFill>
-        <p:spPr>
-          <a:xfrm>
-            <a:off x="5410200" y="541606"/>
-            <a:ext cx="5448300" cy="2099104"/>
-          </a:xfrm>
-          <a:prstGeom prst="rect">
-            <a:avLst/>
-          </a:prstGeom>
-        </p:spPr>
-      </p:pic>
-      <p:sp>
-        <p:nvSpPr>
-          <p:cNvPr id="3" name="Content Placeholder 2">
-            <a:extLst>
-              <a:ext uri="{FF2B5EF4-FFF2-40B4-BE49-F238E27FC236}">
-                <a16:creationId xmlns:a16="http://schemas.microsoft.com/office/drawing/2014/main" id="{27F92166-3E4E-E1D1-811C-9DB2ABBFDDA5}"/>
-              </a:ext>
-            </a:extLst>
-          </p:cNvPr>
-          <p:cNvSpPr>
-            <a:spLocks noGrp="1"/>
-          </p:cNvSpPr>
-          <p:nvPr>
-            <p:ph idx="1"/>
-          </p:nvPr>
-        </p:nvSpPr>
-        <p:spPr>
-          <a:xfrm>
-            <a:off x="4762500" y="3108960"/>
-            <a:ext cx="6730972" cy="3207434"/>
+            <a:off x="1371600" y="685800"/>
+            <a:ext cx="9486900" cy="671513"/>
           </a:xfrm>
         </p:spPr>
         <p:txBody>
@@ -5725,22 +5515,133 @@
           </a:bodyPr>
           <a:lstStyle/>
           <a:p>
-            <a:pPr>
-              <a:lnSpc>
-                <a:spcPct val="90000"/>
-              </a:lnSpc>
+            <a:r>
+              <a:rPr lang="en-US" dirty="0"/>
+              <a:t>How does this model Work:</a:t>
+            </a:r>
+          </a:p>
+        </p:txBody>
+      </p:sp>
+      <p:sp>
+        <p:nvSpPr>
+          <p:cNvPr id="7" name="Content Placeholder 6">
+            <a:extLst>
+              <a:ext uri="{FF2B5EF4-FFF2-40B4-BE49-F238E27FC236}">
+                <a16:creationId xmlns:a16="http://schemas.microsoft.com/office/drawing/2014/main" id="{FCCBF866-3456-5CF7-38C4-09C9A24B1245}"/>
+              </a:ext>
+            </a:extLst>
+          </p:cNvPr>
+          <p:cNvSpPr>
+            <a:spLocks noGrp="1"/>
+          </p:cNvSpPr>
+          <p:nvPr>
+            <p:ph idx="1"/>
+          </p:nvPr>
+        </p:nvSpPr>
+        <p:spPr>
+          <a:xfrm>
+            <a:off x="1371599" y="1460810"/>
+            <a:ext cx="10381786" cy="5140712"/>
+          </a:xfrm>
+        </p:spPr>
+        <p:txBody>
+          <a:bodyPr>
+            <a:normAutofit fontScale="40000" lnSpcReduction="20000"/>
+          </a:bodyPr>
+          <a:lstStyle/>
+          <a:p>
+            <a:pPr marL="0" indent="0">
+              <a:buNone/>
             </a:pPr>
             <a:r>
-              <a:rPr lang="en-US" sz="1700"/>
-              <a:t>The Gradient Boosting Classifier is a powerful tool for detecting phishing websites, leveraging a methodical approach to build a series of decision trees that correct each other's errors. It uniquely focuses on instances that are challenging to classify, adapting to the subtleties of phishing tactics. By optimizing the loss function, it emphasizes the importance of accurately identifying phishing attempts, penalizing false negatives to minimize security risks. This model stands out for its ability to handle complex non-linear relationships between features, enabling it to detect sophisticated phishing schemes with high accuracy. Its adaptability and continuous learning from data make it exceptionally effective in the evolving landscape of cybersecurity threats.</a:t>
-            </a:r>
+              <a:rPr lang="en-US" sz="3300" b="1" dirty="0"/>
+              <a:t>Imagine we are tasked with creating a model to detect phishing websites based on various features like URL length, if the site uses HTTPS, the presence of an IP address in the URL, the age of the domain, etc. Here's how Random Forest might approach this:</a:t>
+            </a:r>
+          </a:p>
+          <a:p>
+            <a:r>
+              <a:rPr lang="en-US" sz="3300" b="1" dirty="0"/>
+              <a:t>Creating Subsets of Data:</a:t>
+            </a:r>
+          </a:p>
+          <a:p>
+            <a:pPr marL="0" indent="0">
+              <a:buNone/>
+            </a:pPr>
+            <a:r>
+              <a:rPr lang="en-US" sz="3300" dirty="0"/>
+              <a:t>Random Forest starts by selecting random subsets of the data for each tree. For instance, for detecting phishing websites, one tree might get trained on samples mostly with long URLs, another on domains registered recently, and so on.</a:t>
+            </a:r>
+          </a:p>
+          <a:p>
+            <a:r>
+              <a:rPr lang="en-US" sz="3300" b="1" dirty="0"/>
+              <a:t>Building Decision Trees:</a:t>
+            </a:r>
+          </a:p>
+          <a:p>
+            <a:pPr marL="0" indent="0">
+              <a:buNone/>
+            </a:pPr>
+            <a:r>
+              <a:rPr lang="en-US" sz="3300" dirty="0"/>
+              <a:t>For each subset of data, a decision tree is constructed. Each tree makes its decision based on the features it was trained on. One tree might learn that sites with very long URLs and lacking HTTPS are likely phishing sites. Another tree might focus on the age of the domain and specific keyword presence in the URL.</a:t>
+            </a:r>
+          </a:p>
+          <a:p>
+            <a:r>
+              <a:rPr lang="en-US" sz="3300" b="1" dirty="0"/>
+              <a:t>Making Predictions:</a:t>
+            </a:r>
+          </a:p>
+          <a:p>
+            <a:pPr marL="0" indent="0">
+              <a:buNone/>
+            </a:pPr>
+            <a:r>
+              <a:rPr lang="en-US" sz="3300" dirty="0"/>
+              <a:t>To make a prediction, each tree in the forest gives its vote. For example, when a new website is being evaluated, one tree might classify it as phishing based on its URL length, another might focus on the lack of HTTPS, and so on.</a:t>
+            </a:r>
+          </a:p>
+          <a:p>
+            <a:r>
+              <a:rPr lang="en-US" sz="3300" b="1" dirty="0"/>
+              <a:t>Aggregating Results:</a:t>
+            </a:r>
+          </a:p>
+          <a:p>
+            <a:pPr marL="0" indent="0">
+              <a:buNone/>
+            </a:pPr>
+            <a:r>
+              <a:rPr lang="en-US" sz="3300" dirty="0"/>
+              <a:t>The Random Forest aggregates votes from all trees. If the majority classify the website as phishing, the ensemble model labels it as such. Conversely, if most trees think the site is legitimate, the model will lean towards classifying it as safe.</a:t>
+            </a:r>
+          </a:p>
+          <a:p>
+            <a:r>
+              <a:rPr lang="en-US" sz="3300" b="1" dirty="0"/>
+              <a:t>Outcome:</a:t>
+            </a:r>
+          </a:p>
+          <a:p>
+            <a:pPr marL="0" indent="0">
+              <a:buNone/>
+            </a:pPr>
+            <a:r>
+              <a:rPr lang="en-US" sz="3300" dirty="0"/>
+              <a:t>Suppose we have a website that has a long URL, doesn't use HTTPS, and the domain was registered very recently. Most of our trees, having learned different aspects of what makes a site likely to be phishing, vote for this site to be phishing. The aggregated result is a high confidence classification of the site as a phishing attempt.</a:t>
+            </a:r>
+          </a:p>
+          <a:p>
+            <a:endParaRPr lang="en-US" dirty="0"/>
           </a:p>
         </p:txBody>
       </p:sp>
     </p:spTree>
     <p:extLst>
       <p:ext uri="{BB962C8B-B14F-4D97-AF65-F5344CB8AC3E}">
-        <p14:creationId xmlns:p14="http://schemas.microsoft.com/office/powerpoint/2010/main" val="2165568398"/>
+        <p14:creationId xmlns:p14="http://schemas.microsoft.com/office/powerpoint/2010/main" val="4195828752"/>
       </p:ext>
     </p:extLst>
   </p:cSld>
@@ -5923,7 +5824,7 @@
           <p:cNvPr id="2" name="Title 1">
             <a:extLst>
               <a:ext uri="{FF2B5EF4-FFF2-40B4-BE49-F238E27FC236}">
-                <a16:creationId xmlns:a16="http://schemas.microsoft.com/office/drawing/2014/main" id="{44221E40-0FC7-5272-5A2E-E480D06E9720}"/>
+                <a16:creationId xmlns:a16="http://schemas.microsoft.com/office/drawing/2014/main" id="{B767FC63-9C13-4732-6B67-B7F3667C7AE2}"/>
               </a:ext>
             </a:extLst>
           </p:cNvPr>
@@ -5948,18 +5849,18 @@
           <a:p>
             <a:pPr algn="ctr"/>
             <a:r>
-              <a:rPr lang="en-US" sz="3000"/>
-              <a:t>MLP classifier</a:t>
+              <a:rPr lang="en-US" sz="3000" dirty="0"/>
+              <a:t>Gradient boosting classifier</a:t>
             </a:r>
           </a:p>
         </p:txBody>
       </p:sp>
       <p:pic>
         <p:nvPicPr>
-          <p:cNvPr id="5" name="Picture 4" descr="A screenshot of a computer&#10;&#10;Description automatically generated">
-            <a:extLst>
-              <a:ext uri="{FF2B5EF4-FFF2-40B4-BE49-F238E27FC236}">
-                <a16:creationId xmlns:a16="http://schemas.microsoft.com/office/drawing/2014/main" id="{02AB4FAF-F21F-58F9-7701-D59B3216DB46}"/>
+          <p:cNvPr id="5" name="Picture 4" descr="A screen shot of a computer&#10;&#10;Description automatically generated">
+            <a:extLst>
+              <a:ext uri="{FF2B5EF4-FFF2-40B4-BE49-F238E27FC236}">
+                <a16:creationId xmlns:a16="http://schemas.microsoft.com/office/drawing/2014/main" id="{706DA6D8-CF4B-B573-85E6-884ABF17704D}"/>
               </a:ext>
             </a:extLst>
           </p:cNvPr>
@@ -5976,8 +5877,8 @@
         </p:blipFill>
         <p:spPr>
           <a:xfrm>
-            <a:off x="5410200" y="414338"/>
-            <a:ext cx="5448300" cy="2226372"/>
+            <a:off x="5410200" y="541606"/>
+            <a:ext cx="5448300" cy="2099104"/>
           </a:xfrm>
           <a:prstGeom prst="rect">
             <a:avLst/>
@@ -5989,7 +5890,7 @@
           <p:cNvPr id="3" name="Content Placeholder 2">
             <a:extLst>
               <a:ext uri="{FF2B5EF4-FFF2-40B4-BE49-F238E27FC236}">
-                <a16:creationId xmlns:a16="http://schemas.microsoft.com/office/drawing/2014/main" id="{0C046339-2E0A-0927-9A24-02AFB6DC1869}"/>
+                <a16:creationId xmlns:a16="http://schemas.microsoft.com/office/drawing/2014/main" id="{27F92166-3E4E-E1D1-811C-9DB2ABBFDDA5}"/>
               </a:ext>
             </a:extLst>
           </p:cNvPr>
@@ -6002,13 +5903,13 @@
         </p:nvSpPr>
         <p:spPr>
           <a:xfrm>
-            <a:off x="4762499" y="3108960"/>
-            <a:ext cx="7167563" cy="3207434"/>
+            <a:off x="4762500" y="3108960"/>
+            <a:ext cx="6730972" cy="3207434"/>
           </a:xfrm>
         </p:spPr>
         <p:txBody>
           <a:bodyPr>
-            <a:normAutofit fontScale="92500" lnSpcReduction="10000"/>
+            <a:normAutofit/>
           </a:bodyPr>
           <a:lstStyle/>
           <a:p>
@@ -6018,77 +5919,16 @@
               </a:lnSpc>
             </a:pPr>
             <a:r>
-              <a:rPr lang="en-US" sz="1400" dirty="0"/>
-              <a:t>The Multilayer Perceptron (MLP) Classifier, a type of neural network, is adept at identifying complex patterns and relationships within data through its multiple layers of nodes or neurons. When applied to phishing website detection, the MLP Classifier processes various features of websites, such as URL structure, use of HTTPS, presence of suspicious tokens, and more, through its interconnected layers to discern between legitimate and phishing sites.</a:t>
-            </a:r>
-          </a:p>
-          <a:p>
-            <a:pPr marL="0" indent="0">
-              <a:lnSpc>
-                <a:spcPct val="90000"/>
-              </a:lnSpc>
-              <a:buNone/>
-            </a:pPr>
-            <a:r>
-              <a:rPr lang="en-US" sz="1400" b="1" dirty="0"/>
-              <a:t>How It Works in Phishing Website Detection:</a:t>
-            </a:r>
-          </a:p>
-          <a:p>
-            <a:pPr>
-              <a:lnSpc>
-                <a:spcPct val="90000"/>
-              </a:lnSpc>
-            </a:pPr>
-            <a:r>
-              <a:rPr lang="en-US" sz="1400" dirty="0"/>
-              <a:t>Input Layer: The first layer receives raw input features, each representing specific characteristics of websites that could indicate phishing activities, such as the length of the URL, whether the site uses secure protocols, or if there are many redirects.</a:t>
-            </a:r>
-          </a:p>
-          <a:p>
-            <a:pPr>
-              <a:lnSpc>
-                <a:spcPct val="90000"/>
-              </a:lnSpc>
-            </a:pPr>
-            <a:r>
-              <a:rPr lang="en-US" sz="1400" dirty="0"/>
-              <a:t>Hidden Layers: These layers, containing neurons with activation functions, allow the MLP to learn non-linear relationships between features. Through training, the MLP adjusts the weights of connections between neurons across these layers, improving its ability to recognize patterns indicative of phishing.</a:t>
-            </a:r>
-          </a:p>
-          <a:p>
-            <a:pPr>
-              <a:lnSpc>
-                <a:spcPct val="90000"/>
-              </a:lnSpc>
-            </a:pPr>
-            <a:r>
-              <a:rPr lang="en-US" sz="1400" dirty="0"/>
-              <a:t>Output Layer: The final layer outputs the classification result, indicating the likelihood that a given website is phishing or legitimate. This is typically done through a </a:t>
-            </a:r>
-            <a:r>
-              <a:rPr lang="en-US" sz="1400" dirty="0" err="1"/>
-              <a:t>softmax</a:t>
-            </a:r>
-            <a:r>
-              <a:rPr lang="en-US" sz="1400" dirty="0"/>
-              <a:t> function that provides probabilities for each class.</a:t>
-            </a:r>
-          </a:p>
-          <a:p>
-            <a:pPr>
-              <a:lnSpc>
-                <a:spcPct val="90000"/>
-              </a:lnSpc>
-            </a:pPr>
-            <a:endParaRPr lang="en-US" sz="1100" dirty="0"/>
+              <a:rPr lang="en-US" sz="1700"/>
+              <a:t>The Gradient Boosting Classifier is a powerful tool for detecting phishing websites, leveraging a methodical approach to build a series of decision trees that correct each other's errors. It uniquely focuses on instances that are challenging to classify, adapting to the subtleties of phishing tactics. By optimizing the loss function, it emphasizes the importance of accurately identifying phishing attempts, penalizing false negatives to minimize security risks. This model stands out for its ability to handle complex non-linear relationships between features, enabling it to detect sophisticated phishing schemes with high accuracy. Its adaptability and continuous learning from data make it exceptionally effective in the evolving landscape of cybersecurity threats.</a:t>
+            </a:r>
           </a:p>
         </p:txBody>
       </p:sp>
     </p:spTree>
     <p:extLst>
       <p:ext uri="{BB962C8B-B14F-4D97-AF65-F5344CB8AC3E}">
-        <p14:creationId xmlns:p14="http://schemas.microsoft.com/office/powerpoint/2010/main" val="1305028800"/>
+        <p14:creationId xmlns:p14="http://schemas.microsoft.com/office/powerpoint/2010/main" val="2165568398"/>
       </p:ext>
     </p:extLst>
   </p:cSld>
@@ -6125,10 +5965,10 @@
       </p:grpSpPr>
       <p:sp useBgFill="1">
         <p:nvSpPr>
-          <p:cNvPr id="17" name="Rectangle 16">
-            <a:extLst>
-              <a:ext uri="{FF2B5EF4-FFF2-40B4-BE49-F238E27FC236}">
-                <a16:creationId xmlns:a16="http://schemas.microsoft.com/office/drawing/2014/main" id="{9E433CB3-EAB2-4842-A1DD-7BC051B55670}"/>
+          <p:cNvPr id="10" name="Rectangle 9">
+            <a:extLst>
+              <a:ext uri="{FF2B5EF4-FFF2-40B4-BE49-F238E27FC236}">
+                <a16:creationId xmlns:a16="http://schemas.microsoft.com/office/drawing/2014/main" id="{FE159530-DCF3-4A55-A165-60D619F192F0}"/>
               </a:ext>
               <a:ext uri="{C183D7F6-B498-43B3-948B-1728B52AA6E4}">
                 <adec:decorative xmlns:adec="http://schemas.microsoft.com/office/drawing/2017/decorative" val="1"/>
@@ -6199,43 +6039,12 @@
           </a:p>
         </p:txBody>
       </p:sp>
-      <p:pic>
-        <p:nvPicPr>
-          <p:cNvPr id="5" name="Content Placeholder 4" descr="A screenshot of a computer&#10;&#10;Description automatically generated">
-            <a:extLst>
-              <a:ext uri="{FF2B5EF4-FFF2-40B4-BE49-F238E27FC236}">
-                <a16:creationId xmlns:a16="http://schemas.microsoft.com/office/drawing/2014/main" id="{95BDB478-4967-FB06-07BA-A7F4DA1762EB}"/>
-              </a:ext>
-            </a:extLst>
-          </p:cNvPr>
-          <p:cNvPicPr>
-            <a:picLocks noGrp="1" noChangeAspect="1"/>
-          </p:cNvPicPr>
-          <p:nvPr>
-            <p:ph idx="1"/>
-          </p:nvPr>
-        </p:nvPicPr>
-        <p:blipFill rotWithShape="1">
-          <a:blip r:embed="rId2"/>
-          <a:srcRect t="3846"/>
-          <a:stretch/>
-        </p:blipFill>
-        <p:spPr>
-          <a:xfrm>
-            <a:off x="1" y="10"/>
-            <a:ext cx="12192000" cy="6857990"/>
-          </a:xfrm>
-          <a:prstGeom prst="rect">
-            <a:avLst/>
-          </a:prstGeom>
-        </p:spPr>
-      </p:pic>
-      <p:sp>
-        <p:nvSpPr>
-          <p:cNvPr id="19" name="Rectangle 18">
-            <a:extLst>
-              <a:ext uri="{FF2B5EF4-FFF2-40B4-BE49-F238E27FC236}">
-                <a16:creationId xmlns:a16="http://schemas.microsoft.com/office/drawing/2014/main" id="{D37E9081-32E2-43C3-80C8-7F3854D9D056}"/>
+      <p:sp>
+        <p:nvSpPr>
+          <p:cNvPr id="12" name="Rectangle 11">
+            <a:extLst>
+              <a:ext uri="{FF2B5EF4-FFF2-40B4-BE49-F238E27FC236}">
+                <a16:creationId xmlns:a16="http://schemas.microsoft.com/office/drawing/2014/main" id="{8A7C3535-4FB5-4E5B-BDFE-FA61877AF1A9}"/>
               </a:ext>
               <a:ext uri="{C183D7F6-B498-43B3-948B-1728B52AA6E4}">
                 <adec:decorative xmlns:adec="http://schemas.microsoft.com/office/drawing/2017/decorative" val="1"/>
@@ -6254,33 +6063,20 @@
           </p:nvPr>
         </p:nvSpPr>
         <p:spPr>
-          <a:xfrm rot="10800000">
-            <a:off x="0" y="-1"/>
-            <a:ext cx="12192000" cy="3429000"/>
+          <a:xfrm>
+            <a:off x="0" y="0"/>
+            <a:ext cx="4076700" cy="6858000"/>
           </a:xfrm>
           <a:prstGeom prst="rect">
             <a:avLst/>
           </a:prstGeom>
-          <a:gradFill>
-            <a:gsLst>
-              <a:gs pos="47000">
-                <a:srgbClr val="000000">
-                  <a:alpha val="23000"/>
-                </a:srgbClr>
-              </a:gs>
-              <a:gs pos="0">
-                <a:srgbClr val="000000">
-                  <a:alpha val="0"/>
-                </a:srgbClr>
-              </a:gs>
-              <a:gs pos="100000">
-                <a:srgbClr val="000000">
-                  <a:alpha val="30000"/>
-                </a:srgbClr>
-              </a:gs>
-            </a:gsLst>
-            <a:lin ang="5400000" scaled="1"/>
-          </a:gradFill>
+          <a:solidFill>
+            <a:schemeClr val="tx2">
+              <a:lumMod val="75000"/>
+              <a:lumOff val="25000"/>
+              <a:alpha val="25000"/>
+            </a:schemeClr>
+          </a:solidFill>
           <a:ln>
             <a:noFill/>
           </a:ln>
@@ -6315,7 +6111,7 @@
           <p:cNvPr id="2" name="Title 1">
             <a:extLst>
               <a:ext uri="{FF2B5EF4-FFF2-40B4-BE49-F238E27FC236}">
-                <a16:creationId xmlns:a16="http://schemas.microsoft.com/office/drawing/2014/main" id="{56DD5E7F-1870-D4E6-3AE1-FFAF5ABE8281}"/>
+                <a16:creationId xmlns:a16="http://schemas.microsoft.com/office/drawing/2014/main" id="{44221E40-0FC7-5272-5A2E-E480D06E9720}"/>
               </a:ext>
             </a:extLst>
           </p:cNvPr>
@@ -6328,27 +6124,113 @@
         </p:nvSpPr>
         <p:spPr>
           <a:xfrm>
-            <a:off x="1371600" y="457200"/>
-            <a:ext cx="9486900" cy="1281544"/>
-          </a:xfrm>
-        </p:spPr>
-        <p:txBody>
-          <a:bodyPr vert="horz" lIns="91440" tIns="45720" rIns="91440" bIns="45720" rtlCol="0" anchor="b">
+            <a:off x="698528" y="1371600"/>
+            <a:ext cx="2692372" cy="4114800"/>
+          </a:xfrm>
+        </p:spPr>
+        <p:txBody>
+          <a:bodyPr anchor="ctr">
             <a:normAutofit/>
           </a:bodyPr>
           <a:lstStyle/>
           <a:p>
             <a:pPr algn="ctr"/>
             <a:r>
-              <a:rPr lang="en-US" sz="3600" kern="1200" cap="all" spc="300" baseline="0">
-                <a:solidFill>
-                  <a:srgbClr val="FFFFFF"/>
-                </a:solidFill>
-                <a:latin typeface="+mj-lt"/>
-                <a:ea typeface="+mj-ea"/>
-                <a:cs typeface="+mj-cs"/>
-              </a:rPr>
-              <a:t>Sorting models based on accuracy</a:t>
+              <a:rPr lang="en-US" sz="3000"/>
+              <a:t>MLP classifier</a:t>
+            </a:r>
+          </a:p>
+        </p:txBody>
+      </p:sp>
+      <p:pic>
+        <p:nvPicPr>
+          <p:cNvPr id="5" name="Picture 4" descr="A screenshot of a computer&#10;&#10;Description automatically generated">
+            <a:extLst>
+              <a:ext uri="{FF2B5EF4-FFF2-40B4-BE49-F238E27FC236}">
+                <a16:creationId xmlns:a16="http://schemas.microsoft.com/office/drawing/2014/main" id="{02AB4FAF-F21F-58F9-7701-D59B3216DB46}"/>
+              </a:ext>
+            </a:extLst>
+          </p:cNvPr>
+          <p:cNvPicPr>
+            <a:picLocks noChangeAspect="1"/>
+          </p:cNvPicPr>
+          <p:nvPr/>
+        </p:nvPicPr>
+        <p:blipFill>
+          <a:blip r:embed="rId2"/>
+          <a:stretch>
+            <a:fillRect/>
+          </a:stretch>
+        </p:blipFill>
+        <p:spPr>
+          <a:xfrm>
+            <a:off x="5410200" y="414338"/>
+            <a:ext cx="5448300" cy="2226372"/>
+          </a:xfrm>
+          <a:prstGeom prst="rect">
+            <a:avLst/>
+          </a:prstGeom>
+        </p:spPr>
+      </p:pic>
+      <p:sp>
+        <p:nvSpPr>
+          <p:cNvPr id="3" name="Content Placeholder 2">
+            <a:extLst>
+              <a:ext uri="{FF2B5EF4-FFF2-40B4-BE49-F238E27FC236}">
+                <a16:creationId xmlns:a16="http://schemas.microsoft.com/office/drawing/2014/main" id="{0C046339-2E0A-0927-9A24-02AFB6DC1869}"/>
+              </a:ext>
+            </a:extLst>
+          </p:cNvPr>
+          <p:cNvSpPr>
+            <a:spLocks noGrp="1"/>
+          </p:cNvSpPr>
+          <p:nvPr>
+            <p:ph idx="1"/>
+          </p:nvPr>
+        </p:nvSpPr>
+        <p:spPr>
+          <a:xfrm>
+            <a:off x="4762499" y="3108960"/>
+            <a:ext cx="7167563" cy="3207434"/>
+          </a:xfrm>
+        </p:spPr>
+        <p:txBody>
+          <a:bodyPr>
+            <a:normAutofit/>
+          </a:bodyPr>
+          <a:lstStyle/>
+          <a:p>
+            <a:pPr>
+              <a:lnSpc>
+                <a:spcPct val="90000"/>
+              </a:lnSpc>
+            </a:pPr>
+            <a:r>
+              <a:rPr lang="en-US" sz="1400" dirty="0"/>
+              <a:t>The Multilayer Perceptron (MLP) Classifier, a type of neural network, is adept at identifying complex patterns and relationships within data through its multiple layers of nodes or neurons. When applied to phishing website detection, the MLP Classifier processes various features of websites, such as URL structure, use of HTTPS, presence of suspicious tokens, and more, through its interconnected layers to discern between legitimate and phishing sites.</a:t>
+            </a:r>
+          </a:p>
+          <a:p>
+            <a:pPr marL="0" indent="0">
+              <a:lnSpc>
+                <a:spcPct val="90000"/>
+              </a:lnSpc>
+              <a:buNone/>
+            </a:pPr>
+            <a:r>
+              <a:rPr lang="en-US" sz="1400" b="1" dirty="0"/>
+              <a:t>How It Works in Phishing Website Detection:</a:t>
+            </a:r>
+          </a:p>
+          <a:p>
+            <a:pPr>
+              <a:lnSpc>
+                <a:spcPct val="90000"/>
+              </a:lnSpc>
+            </a:pPr>
+            <a:r>
+              <a:rPr lang="en-US" sz="1800" dirty="0"/>
+              <a:t>Let’s say a new website is presented to the model with the following features: a long URL, no HTTPS, and a recently registered domain. The MLP processes these inputs through its layers, considering learned patterns from the training phase. The output layer might produce a high probability for the phishing class based on the model's learned weights, suggesting that the website is likely a phishing site.</a:t>
             </a:r>
           </a:p>
         </p:txBody>
@@ -6356,7 +6238,7 @@
     </p:spTree>
     <p:extLst>
       <p:ext uri="{BB962C8B-B14F-4D97-AF65-F5344CB8AC3E}">
-        <p14:creationId xmlns:p14="http://schemas.microsoft.com/office/powerpoint/2010/main" val="2056375138"/>
+        <p14:creationId xmlns:p14="http://schemas.microsoft.com/office/powerpoint/2010/main" val="1305028800"/>
       </p:ext>
     </p:extLst>
   </p:cSld>
@@ -6393,6 +6275,274 @@
       </p:grpSpPr>
       <p:sp useBgFill="1">
         <p:nvSpPr>
+          <p:cNvPr id="17" name="Rectangle 16">
+            <a:extLst>
+              <a:ext uri="{FF2B5EF4-FFF2-40B4-BE49-F238E27FC236}">
+                <a16:creationId xmlns:a16="http://schemas.microsoft.com/office/drawing/2014/main" id="{9E433CB3-EAB2-4842-A1DD-7BC051B55670}"/>
+              </a:ext>
+              <a:ext uri="{C183D7F6-B498-43B3-948B-1728B52AA6E4}">
+                <adec:decorative xmlns:adec="http://schemas.microsoft.com/office/drawing/2017/decorative" val="1"/>
+              </a:ext>
+            </a:extLst>
+          </p:cNvPr>
+          <p:cNvSpPr>
+            <a:spLocks noGrp="1" noRot="1" noChangeAspect="1" noMove="1" noResize="1" noEditPoints="1" noAdjustHandles="1" noChangeArrowheads="1" noChangeShapeType="1" noTextEdit="1"/>
+          </p:cNvSpPr>
+          <p:nvPr>
+            <p:extLst>
+              <p:ext uri="{386F3935-93C4-4BCD-93E2-E3B085C9AB24}">
+                <p16:designElem xmlns:p16="http://schemas.microsoft.com/office/powerpoint/2015/main" val="1"/>
+              </p:ext>
+            </p:extLst>
+          </p:nvPr>
+        </p:nvSpPr>
+        <p:spPr>
+          <a:xfrm>
+            <a:off x="0" y="0"/>
+            <a:ext cx="12192000" cy="6858000"/>
+          </a:xfrm>
+          <a:prstGeom prst="rect">
+            <a:avLst/>
+          </a:prstGeom>
+          <a:ln w="12700" cap="flat" cmpd="sng" algn="ctr">
+            <a:noFill/>
+            <a:prstDash val="solid"/>
+            <a:miter lim="800000"/>
+          </a:ln>
+          <a:effectLst/>
+          <a:extLst>
+            <a:ext uri="{91240B29-F687-4F45-9708-019B960494DF}">
+              <a14:hiddenLine xmlns:a14="http://schemas.microsoft.com/office/drawing/2010/main" w="12700" cap="flat" cmpd="sng" algn="ctr">
+                <a:solidFill>
+                  <a:schemeClr val="accent1">
+                    <a:shade val="50000"/>
+                  </a:schemeClr>
+                </a:solidFill>
+                <a:prstDash val="solid"/>
+                <a:miter lim="800000"/>
+              </a14:hiddenLine>
+            </a:ext>
+          </a:extLst>
+        </p:spPr>
+        <p:style>
+          <a:lnRef idx="2">
+            <a:schemeClr val="accent1">
+              <a:shade val="50000"/>
+            </a:schemeClr>
+          </a:lnRef>
+          <a:fillRef idx="1">
+            <a:schemeClr val="accent1"/>
+          </a:fillRef>
+          <a:effectRef idx="0">
+            <a:schemeClr val="accent1"/>
+          </a:effectRef>
+          <a:fontRef idx="minor">
+            <a:schemeClr val="lt1"/>
+          </a:fontRef>
+        </p:style>
+        <p:txBody>
+          <a:bodyPr rtlCol="0" anchor="ctr"/>
+          <a:lstStyle/>
+          <a:p>
+            <a:pPr algn="ctr"/>
+            <a:endParaRPr lang="en-US"/>
+          </a:p>
+        </p:txBody>
+      </p:sp>
+      <p:pic>
+        <p:nvPicPr>
+          <p:cNvPr id="5" name="Content Placeholder 4" descr="A screenshot of a computer&#10;&#10;Description automatically generated">
+            <a:extLst>
+              <a:ext uri="{FF2B5EF4-FFF2-40B4-BE49-F238E27FC236}">
+                <a16:creationId xmlns:a16="http://schemas.microsoft.com/office/drawing/2014/main" id="{95BDB478-4967-FB06-07BA-A7F4DA1762EB}"/>
+              </a:ext>
+            </a:extLst>
+          </p:cNvPr>
+          <p:cNvPicPr>
+            <a:picLocks noGrp="1" noChangeAspect="1"/>
+          </p:cNvPicPr>
+          <p:nvPr>
+            <p:ph idx="1"/>
+          </p:nvPr>
+        </p:nvPicPr>
+        <p:blipFill rotWithShape="1">
+          <a:blip r:embed="rId2"/>
+          <a:srcRect t="3846"/>
+          <a:stretch/>
+        </p:blipFill>
+        <p:spPr>
+          <a:xfrm>
+            <a:off x="1" y="10"/>
+            <a:ext cx="12192000" cy="6857990"/>
+          </a:xfrm>
+          <a:prstGeom prst="rect">
+            <a:avLst/>
+          </a:prstGeom>
+        </p:spPr>
+      </p:pic>
+      <p:sp>
+        <p:nvSpPr>
+          <p:cNvPr id="19" name="Rectangle 18">
+            <a:extLst>
+              <a:ext uri="{FF2B5EF4-FFF2-40B4-BE49-F238E27FC236}">
+                <a16:creationId xmlns:a16="http://schemas.microsoft.com/office/drawing/2014/main" id="{D37E9081-32E2-43C3-80C8-7F3854D9D056}"/>
+              </a:ext>
+              <a:ext uri="{C183D7F6-B498-43B3-948B-1728B52AA6E4}">
+                <adec:decorative xmlns:adec="http://schemas.microsoft.com/office/drawing/2017/decorative" val="1"/>
+              </a:ext>
+            </a:extLst>
+          </p:cNvPr>
+          <p:cNvSpPr>
+            <a:spLocks noGrp="1" noRot="1" noChangeAspect="1" noMove="1" noResize="1" noEditPoints="1" noAdjustHandles="1" noChangeArrowheads="1" noChangeShapeType="1" noTextEdit="1"/>
+          </p:cNvSpPr>
+          <p:nvPr>
+            <p:extLst>
+              <p:ext uri="{386F3935-93C4-4BCD-93E2-E3B085C9AB24}">
+                <p16:designElem xmlns:p16="http://schemas.microsoft.com/office/powerpoint/2015/main" val="1"/>
+              </p:ext>
+            </p:extLst>
+          </p:nvPr>
+        </p:nvSpPr>
+        <p:spPr>
+          <a:xfrm rot="10800000">
+            <a:off x="0" y="-1"/>
+            <a:ext cx="12192000" cy="3429000"/>
+          </a:xfrm>
+          <a:prstGeom prst="rect">
+            <a:avLst/>
+          </a:prstGeom>
+          <a:gradFill>
+            <a:gsLst>
+              <a:gs pos="47000">
+                <a:srgbClr val="000000">
+                  <a:alpha val="23000"/>
+                </a:srgbClr>
+              </a:gs>
+              <a:gs pos="0">
+                <a:srgbClr val="000000">
+                  <a:alpha val="0"/>
+                </a:srgbClr>
+              </a:gs>
+              <a:gs pos="100000">
+                <a:srgbClr val="000000">
+                  <a:alpha val="30000"/>
+                </a:srgbClr>
+              </a:gs>
+            </a:gsLst>
+            <a:lin ang="5400000" scaled="1"/>
+          </a:gradFill>
+          <a:ln>
+            <a:noFill/>
+          </a:ln>
+        </p:spPr>
+        <p:style>
+          <a:lnRef idx="2">
+            <a:schemeClr val="accent1">
+              <a:shade val="50000"/>
+            </a:schemeClr>
+          </a:lnRef>
+          <a:fillRef idx="1">
+            <a:schemeClr val="accent1"/>
+          </a:fillRef>
+          <a:effectRef idx="0">
+            <a:schemeClr val="accent1"/>
+          </a:effectRef>
+          <a:fontRef idx="minor">
+            <a:schemeClr val="lt1"/>
+          </a:fontRef>
+        </p:style>
+        <p:txBody>
+          <a:bodyPr rtlCol="0" anchor="ctr"/>
+          <a:lstStyle/>
+          <a:p>
+            <a:pPr algn="ctr"/>
+            <a:endParaRPr lang="en-US"/>
+          </a:p>
+        </p:txBody>
+      </p:sp>
+      <p:sp>
+        <p:nvSpPr>
+          <p:cNvPr id="2" name="Title 1">
+            <a:extLst>
+              <a:ext uri="{FF2B5EF4-FFF2-40B4-BE49-F238E27FC236}">
+                <a16:creationId xmlns:a16="http://schemas.microsoft.com/office/drawing/2014/main" id="{56DD5E7F-1870-D4E6-3AE1-FFAF5ABE8281}"/>
+              </a:ext>
+            </a:extLst>
+          </p:cNvPr>
+          <p:cNvSpPr>
+            <a:spLocks noGrp="1"/>
+          </p:cNvSpPr>
+          <p:nvPr>
+            <p:ph type="title"/>
+          </p:nvPr>
+        </p:nvSpPr>
+        <p:spPr>
+          <a:xfrm>
+            <a:off x="1371600" y="457200"/>
+            <a:ext cx="9486900" cy="1281544"/>
+          </a:xfrm>
+        </p:spPr>
+        <p:txBody>
+          <a:bodyPr vert="horz" lIns="91440" tIns="45720" rIns="91440" bIns="45720" rtlCol="0" anchor="b">
+            <a:normAutofit/>
+          </a:bodyPr>
+          <a:lstStyle/>
+          <a:p>
+            <a:pPr algn="ctr"/>
+            <a:r>
+              <a:rPr lang="en-US" sz="3600" kern="1200" cap="all" spc="300" baseline="0">
+                <a:solidFill>
+                  <a:srgbClr val="FFFFFF"/>
+                </a:solidFill>
+                <a:latin typeface="+mj-lt"/>
+                <a:ea typeface="+mj-ea"/>
+                <a:cs typeface="+mj-cs"/>
+              </a:rPr>
+              <a:t>Sorting models based on accuracy</a:t>
+            </a:r>
+          </a:p>
+        </p:txBody>
+      </p:sp>
+    </p:spTree>
+    <p:extLst>
+      <p:ext uri="{BB962C8B-B14F-4D97-AF65-F5344CB8AC3E}">
+        <p14:creationId xmlns:p14="http://schemas.microsoft.com/office/powerpoint/2010/main" val="2056375138"/>
+      </p:ext>
+    </p:extLst>
+  </p:cSld>
+  <p:clrMapOvr>
+    <a:masterClrMapping/>
+  </p:clrMapOvr>
+</p:sld>
+</file>
+
+<file path=ppt/slides/slide19.xml><?xml version="1.0" encoding="utf-8"?>
+<p:sld xmlns:a="http://schemas.openxmlformats.org/drawingml/2006/main" xmlns:r="http://schemas.openxmlformats.org/officeDocument/2006/relationships" xmlns:p="http://schemas.openxmlformats.org/presentationml/2006/main">
+  <p:cSld>
+    <p:bg>
+      <p:bgPr>
+        <a:solidFill>
+          <a:schemeClr val="bg1"/>
+        </a:solidFill>
+        <a:effectLst/>
+      </p:bgPr>
+    </p:bg>
+    <p:spTree>
+      <p:nvGrpSpPr>
+        <p:cNvPr id="1" name=""/>
+        <p:cNvGrpSpPr/>
+        <p:nvPr/>
+      </p:nvGrpSpPr>
+      <p:grpSpPr>
+        <a:xfrm>
+          <a:off x="0" y="0"/>
+          <a:ext cx="0" cy="0"/>
+          <a:chOff x="0" y="0"/>
+          <a:chExt cx="0" cy="0"/>
+        </a:xfrm>
+      </p:grpSpPr>
+      <p:sp useBgFill="1">
+        <p:nvSpPr>
           <p:cNvPr id="9" name="Rectangle 8">
             <a:extLst>
               <a:ext uri="{FF2B5EF4-FFF2-40B4-BE49-F238E27FC236}">
@@ -6793,6 +6943,680 @@
     <p:extLst>
       <p:ext uri="{BB962C8B-B14F-4D97-AF65-F5344CB8AC3E}">
         <p14:creationId xmlns:p14="http://schemas.microsoft.com/office/powerpoint/2010/main" val="4068099284"/>
+      </p:ext>
+    </p:extLst>
+  </p:cSld>
+  <p:clrMapOvr>
+    <a:masterClrMapping/>
+  </p:clrMapOvr>
+</p:sld>
+</file>
+
+<file path=ppt/slides/slide20.xml><?xml version="1.0" encoding="utf-8"?>
+<p:sld xmlns:a="http://schemas.openxmlformats.org/drawingml/2006/main" xmlns:r="http://schemas.openxmlformats.org/officeDocument/2006/relationships" xmlns:p="http://schemas.openxmlformats.org/presentationml/2006/main">
+  <p:cSld>
+    <p:bg>
+      <p:bgPr>
+        <a:solidFill>
+          <a:schemeClr val="bg1"/>
+        </a:solidFill>
+        <a:effectLst/>
+      </p:bgPr>
+    </p:bg>
+    <p:spTree>
+      <p:nvGrpSpPr>
+        <p:cNvPr id="1" name="">
+          <a:extLst>
+            <a:ext uri="{FF2B5EF4-FFF2-40B4-BE49-F238E27FC236}">
+              <a16:creationId xmlns:a16="http://schemas.microsoft.com/office/drawing/2014/main" id="{1B405D24-335D-EBE8-BD72-E81381318E7A}"/>
+            </a:ext>
+          </a:extLst>
+        </p:cNvPr>
+        <p:cNvGrpSpPr/>
+        <p:nvPr/>
+      </p:nvGrpSpPr>
+      <p:grpSpPr>
+        <a:xfrm>
+          <a:off x="0" y="0"/>
+          <a:ext cx="0" cy="0"/>
+          <a:chOff x="0" y="0"/>
+          <a:chExt cx="0" cy="0"/>
+        </a:xfrm>
+      </p:grpSpPr>
+      <p:sp useBgFill="1">
+        <p:nvSpPr>
+          <p:cNvPr id="17" name="Rectangle 16">
+            <a:extLst>
+              <a:ext uri="{FF2B5EF4-FFF2-40B4-BE49-F238E27FC236}">
+                <a16:creationId xmlns:a16="http://schemas.microsoft.com/office/drawing/2014/main" id="{3316AD74-30AE-F7F4-1FBE-2D225AB196A8}"/>
+              </a:ext>
+              <a:ext uri="{C183D7F6-B498-43B3-948B-1728B52AA6E4}">
+                <adec:decorative xmlns:adec="http://schemas.microsoft.com/office/drawing/2017/decorative" val="1"/>
+              </a:ext>
+            </a:extLst>
+          </p:cNvPr>
+          <p:cNvSpPr>
+            <a:spLocks noGrp="1" noRot="1" noChangeAspect="1" noMove="1" noResize="1" noEditPoints="1" noAdjustHandles="1" noChangeArrowheads="1" noChangeShapeType="1" noTextEdit="1"/>
+          </p:cNvSpPr>
+          <p:nvPr>
+            <p:extLst>
+              <p:ext uri="{386F3935-93C4-4BCD-93E2-E3B085C9AB24}">
+                <p16:designElem xmlns:p16="http://schemas.microsoft.com/office/powerpoint/2015/main" val="1"/>
+              </p:ext>
+            </p:extLst>
+          </p:nvPr>
+        </p:nvSpPr>
+        <p:spPr>
+          <a:xfrm>
+            <a:off x="0" y="0"/>
+            <a:ext cx="12192000" cy="6858000"/>
+          </a:xfrm>
+          <a:prstGeom prst="rect">
+            <a:avLst/>
+          </a:prstGeom>
+          <a:ln w="12700" cap="flat" cmpd="sng" algn="ctr">
+            <a:noFill/>
+            <a:prstDash val="solid"/>
+            <a:miter lim="800000"/>
+          </a:ln>
+          <a:effectLst/>
+          <a:extLst>
+            <a:ext uri="{91240B29-F687-4F45-9708-019B960494DF}">
+              <a14:hiddenLine xmlns:a14="http://schemas.microsoft.com/office/drawing/2010/main" w="12700" cap="flat" cmpd="sng" algn="ctr">
+                <a:solidFill>
+                  <a:schemeClr val="accent1">
+                    <a:shade val="50000"/>
+                  </a:schemeClr>
+                </a:solidFill>
+                <a:prstDash val="solid"/>
+                <a:miter lim="800000"/>
+              </a14:hiddenLine>
+            </a:ext>
+          </a:extLst>
+        </p:spPr>
+        <p:style>
+          <a:lnRef idx="2">
+            <a:schemeClr val="accent1">
+              <a:shade val="50000"/>
+            </a:schemeClr>
+          </a:lnRef>
+          <a:fillRef idx="1">
+            <a:schemeClr val="accent1"/>
+          </a:fillRef>
+          <a:effectRef idx="0">
+            <a:schemeClr val="accent1"/>
+          </a:effectRef>
+          <a:fontRef idx="minor">
+            <a:schemeClr val="lt1"/>
+          </a:fontRef>
+        </p:style>
+        <p:txBody>
+          <a:bodyPr rtlCol="0" anchor="ctr"/>
+          <a:lstStyle/>
+          <a:p>
+            <a:pPr algn="ctr"/>
+            <a:endParaRPr lang="en-US"/>
+          </a:p>
+        </p:txBody>
+      </p:sp>
+      <p:pic>
+        <p:nvPicPr>
+          <p:cNvPr id="5" name="Content Placeholder 4" descr="A screenshot of a computer&#10;&#10;Description automatically generated">
+            <a:extLst>
+              <a:ext uri="{FF2B5EF4-FFF2-40B4-BE49-F238E27FC236}">
+                <a16:creationId xmlns:a16="http://schemas.microsoft.com/office/drawing/2014/main" id="{E2E7D4EF-7416-DB2C-5889-881F3D3DD408}"/>
+              </a:ext>
+            </a:extLst>
+          </p:cNvPr>
+          <p:cNvPicPr>
+            <a:picLocks noGrp="1" noChangeAspect="1"/>
+          </p:cNvPicPr>
+          <p:nvPr>
+            <p:ph idx="1"/>
+          </p:nvPr>
+        </p:nvPicPr>
+        <p:blipFill rotWithShape="1">
+          <a:blip r:embed="rId2"/>
+          <a:srcRect t="3846"/>
+          <a:stretch/>
+        </p:blipFill>
+        <p:spPr>
+          <a:xfrm>
+            <a:off x="1" y="10"/>
+            <a:ext cx="12192000" cy="6857990"/>
+          </a:xfrm>
+          <a:prstGeom prst="rect">
+            <a:avLst/>
+          </a:prstGeom>
+        </p:spPr>
+      </p:pic>
+      <p:sp>
+        <p:nvSpPr>
+          <p:cNvPr id="19" name="Rectangle 18">
+            <a:extLst>
+              <a:ext uri="{FF2B5EF4-FFF2-40B4-BE49-F238E27FC236}">
+                <a16:creationId xmlns:a16="http://schemas.microsoft.com/office/drawing/2014/main" id="{08E682F6-ED86-F6D2-0DEF-302FE6CF1F62}"/>
+              </a:ext>
+              <a:ext uri="{C183D7F6-B498-43B3-948B-1728B52AA6E4}">
+                <adec:decorative xmlns:adec="http://schemas.microsoft.com/office/drawing/2017/decorative" val="1"/>
+              </a:ext>
+            </a:extLst>
+          </p:cNvPr>
+          <p:cNvSpPr>
+            <a:spLocks noGrp="1" noRot="1" noChangeAspect="1" noMove="1" noResize="1" noEditPoints="1" noAdjustHandles="1" noChangeArrowheads="1" noChangeShapeType="1" noTextEdit="1"/>
+          </p:cNvSpPr>
+          <p:nvPr>
+            <p:extLst>
+              <p:ext uri="{386F3935-93C4-4BCD-93E2-E3B085C9AB24}">
+                <p16:designElem xmlns:p16="http://schemas.microsoft.com/office/powerpoint/2015/main" val="1"/>
+              </p:ext>
+            </p:extLst>
+          </p:nvPr>
+        </p:nvSpPr>
+        <p:spPr>
+          <a:xfrm rot="10800000">
+            <a:off x="0" y="-1"/>
+            <a:ext cx="12192000" cy="3429000"/>
+          </a:xfrm>
+          <a:prstGeom prst="rect">
+            <a:avLst/>
+          </a:prstGeom>
+          <a:gradFill>
+            <a:gsLst>
+              <a:gs pos="47000">
+                <a:srgbClr val="000000">
+                  <a:alpha val="23000"/>
+                </a:srgbClr>
+              </a:gs>
+              <a:gs pos="0">
+                <a:srgbClr val="000000">
+                  <a:alpha val="0"/>
+                </a:srgbClr>
+              </a:gs>
+              <a:gs pos="100000">
+                <a:srgbClr val="000000">
+                  <a:alpha val="30000"/>
+                </a:srgbClr>
+              </a:gs>
+            </a:gsLst>
+            <a:lin ang="5400000" scaled="1"/>
+          </a:gradFill>
+          <a:ln>
+            <a:noFill/>
+          </a:ln>
+        </p:spPr>
+        <p:style>
+          <a:lnRef idx="2">
+            <a:schemeClr val="accent1">
+              <a:shade val="50000"/>
+            </a:schemeClr>
+          </a:lnRef>
+          <a:fillRef idx="1">
+            <a:schemeClr val="accent1"/>
+          </a:fillRef>
+          <a:effectRef idx="0">
+            <a:schemeClr val="accent1"/>
+          </a:effectRef>
+          <a:fontRef idx="minor">
+            <a:schemeClr val="lt1"/>
+          </a:fontRef>
+        </p:style>
+        <p:txBody>
+          <a:bodyPr rtlCol="0" anchor="ctr"/>
+          <a:lstStyle/>
+          <a:p>
+            <a:pPr algn="ctr"/>
+            <a:endParaRPr lang="en-US"/>
+          </a:p>
+        </p:txBody>
+      </p:sp>
+      <p:sp>
+        <p:nvSpPr>
+          <p:cNvPr id="2" name="Title 1">
+            <a:extLst>
+              <a:ext uri="{FF2B5EF4-FFF2-40B4-BE49-F238E27FC236}">
+                <a16:creationId xmlns:a16="http://schemas.microsoft.com/office/drawing/2014/main" id="{EB78D884-510E-7C55-47B8-CFAE337763CC}"/>
+              </a:ext>
+            </a:extLst>
+          </p:cNvPr>
+          <p:cNvSpPr>
+            <a:spLocks noGrp="1"/>
+          </p:cNvSpPr>
+          <p:nvPr>
+            <p:ph type="title"/>
+          </p:nvPr>
+        </p:nvSpPr>
+        <p:spPr>
+          <a:xfrm>
+            <a:off x="1371600" y="457200"/>
+            <a:ext cx="9486900" cy="1281544"/>
+          </a:xfrm>
+        </p:spPr>
+        <p:txBody>
+          <a:bodyPr vert="horz" lIns="91440" tIns="45720" rIns="91440" bIns="45720" rtlCol="0" anchor="b">
+            <a:normAutofit/>
+          </a:bodyPr>
+          <a:lstStyle/>
+          <a:p>
+            <a:pPr algn="ctr"/>
+            <a:r>
+              <a:rPr lang="en-US" sz="3600" kern="1200" cap="all" spc="300" baseline="0" dirty="0">
+                <a:solidFill>
+                  <a:srgbClr val="FFFFFF"/>
+                </a:solidFill>
+                <a:latin typeface="+mj-lt"/>
+                <a:ea typeface="+mj-ea"/>
+                <a:cs typeface="+mj-cs"/>
+              </a:rPr>
+              <a:t>Sorting models based on Testing Data accuracy</a:t>
+            </a:r>
+          </a:p>
+        </p:txBody>
+      </p:sp>
+    </p:spTree>
+    <p:extLst>
+      <p:ext uri="{BB962C8B-B14F-4D97-AF65-F5344CB8AC3E}">
+        <p14:creationId xmlns:p14="http://schemas.microsoft.com/office/powerpoint/2010/main" val="3067032193"/>
+      </p:ext>
+    </p:extLst>
+  </p:cSld>
+  <p:clrMapOvr>
+    <a:masterClrMapping/>
+  </p:clrMapOvr>
+</p:sld>
+</file>
+
+<file path=ppt/slides/slide21.xml><?xml version="1.0" encoding="utf-8"?>
+<p:sld xmlns:a="http://schemas.openxmlformats.org/drawingml/2006/main" xmlns:r="http://schemas.openxmlformats.org/officeDocument/2006/relationships" xmlns:p="http://schemas.openxmlformats.org/presentationml/2006/main">
+  <p:cSld>
+    <p:spTree>
+      <p:nvGrpSpPr>
+        <p:cNvPr id="1" name=""/>
+        <p:cNvGrpSpPr/>
+        <p:nvPr/>
+      </p:nvGrpSpPr>
+      <p:grpSpPr>
+        <a:xfrm>
+          <a:off x="0" y="0"/>
+          <a:ext cx="0" cy="0"/>
+          <a:chOff x="0" y="0"/>
+          <a:chExt cx="0" cy="0"/>
+        </a:xfrm>
+      </p:grpSpPr>
+      <p:sp>
+        <p:nvSpPr>
+          <p:cNvPr id="2" name="Title 1">
+            <a:extLst>
+              <a:ext uri="{FF2B5EF4-FFF2-40B4-BE49-F238E27FC236}">
+                <a16:creationId xmlns:a16="http://schemas.microsoft.com/office/drawing/2014/main" id="{6E9CCE92-8096-BC81-3B1C-66D62248B4BC}"/>
+              </a:ext>
+            </a:extLst>
+          </p:cNvPr>
+          <p:cNvSpPr>
+            <a:spLocks noGrp="1"/>
+          </p:cNvSpPr>
+          <p:nvPr>
+            <p:ph type="title"/>
+          </p:nvPr>
+        </p:nvSpPr>
+        <p:spPr>
+          <a:xfrm>
+            <a:off x="1371600" y="685800"/>
+            <a:ext cx="9486900" cy="574288"/>
+          </a:xfrm>
+        </p:spPr>
+        <p:txBody>
+          <a:bodyPr>
+            <a:normAutofit fontScale="90000"/>
+          </a:bodyPr>
+          <a:lstStyle/>
+          <a:p>
+            <a:r>
+              <a:rPr lang="en-US"/>
+              <a:t>5-FOLD CROSS VALIDATION RESULTS</a:t>
+            </a:r>
+            <a:endParaRPr lang="en-US" dirty="0"/>
+          </a:p>
+        </p:txBody>
+      </p:sp>
+      <p:pic>
+        <p:nvPicPr>
+          <p:cNvPr id="4" name="Picture 3" descr="A screenshot of a computer&#10;&#10;Description automatically generated">
+            <a:extLst>
+              <a:ext uri="{FF2B5EF4-FFF2-40B4-BE49-F238E27FC236}">
+                <a16:creationId xmlns:a16="http://schemas.microsoft.com/office/drawing/2014/main" id="{C96F86FC-D8D7-771B-776D-B760D3BC783D}"/>
+              </a:ext>
+            </a:extLst>
+          </p:cNvPr>
+          <p:cNvPicPr>
+            <a:picLocks noChangeAspect="1"/>
+          </p:cNvPicPr>
+          <p:nvPr/>
+        </p:nvPicPr>
+        <p:blipFill>
+          <a:blip r:embed="rId2"/>
+          <a:stretch>
+            <a:fillRect/>
+          </a:stretch>
+        </p:blipFill>
+        <p:spPr>
+          <a:xfrm>
+            <a:off x="758283" y="2061272"/>
+            <a:ext cx="10716322" cy="3860026"/>
+          </a:xfrm>
+          <a:prstGeom prst="rect">
+            <a:avLst/>
+          </a:prstGeom>
+        </p:spPr>
+      </p:pic>
+    </p:spTree>
+    <p:extLst>
+      <p:ext uri="{BB962C8B-B14F-4D97-AF65-F5344CB8AC3E}">
+        <p14:creationId xmlns:p14="http://schemas.microsoft.com/office/powerpoint/2010/main" val="421028463"/>
+      </p:ext>
+    </p:extLst>
+  </p:cSld>
+  <p:clrMapOvr>
+    <a:masterClrMapping/>
+  </p:clrMapOvr>
+</p:sld>
+</file>
+
+<file path=ppt/slides/slide22.xml><?xml version="1.0" encoding="utf-8"?>
+<p:sld xmlns:a="http://schemas.openxmlformats.org/drawingml/2006/main" xmlns:r="http://schemas.openxmlformats.org/officeDocument/2006/relationships" xmlns:p="http://schemas.openxmlformats.org/presentationml/2006/main">
+  <p:cSld>
+    <p:spTree>
+      <p:nvGrpSpPr>
+        <p:cNvPr id="1" name=""/>
+        <p:cNvGrpSpPr/>
+        <p:nvPr/>
+      </p:nvGrpSpPr>
+      <p:grpSpPr>
+        <a:xfrm>
+          <a:off x="0" y="0"/>
+          <a:ext cx="0" cy="0"/>
+          <a:chOff x="0" y="0"/>
+          <a:chExt cx="0" cy="0"/>
+        </a:xfrm>
+      </p:grpSpPr>
+      <p:sp>
+        <p:nvSpPr>
+          <p:cNvPr id="2" name="Title 1">
+            <a:extLst>
+              <a:ext uri="{FF2B5EF4-FFF2-40B4-BE49-F238E27FC236}">
+                <a16:creationId xmlns:a16="http://schemas.microsoft.com/office/drawing/2014/main" id="{0E934C6E-B65F-A2F3-73D4-3400E00C0702}"/>
+              </a:ext>
+            </a:extLst>
+          </p:cNvPr>
+          <p:cNvSpPr>
+            <a:spLocks noGrp="1"/>
+          </p:cNvSpPr>
+          <p:nvPr>
+            <p:ph type="title"/>
+          </p:nvPr>
+        </p:nvSpPr>
+        <p:spPr>
+          <a:xfrm>
+            <a:off x="1371600" y="685800"/>
+            <a:ext cx="9486900" cy="742950"/>
+          </a:xfrm>
+        </p:spPr>
+        <p:txBody>
+          <a:bodyPr/>
+          <a:lstStyle/>
+          <a:p>
+            <a:r>
+              <a:rPr lang="en-US" dirty="0"/>
+              <a:t>STORE THE BEST MODEL</a:t>
+            </a:r>
+          </a:p>
+        </p:txBody>
+      </p:sp>
+      <p:pic>
+        <p:nvPicPr>
+          <p:cNvPr id="4" name="Picture 3" descr="A screenshot of a computer program&#10;&#10;Description automatically generated">
+            <a:extLst>
+              <a:ext uri="{FF2B5EF4-FFF2-40B4-BE49-F238E27FC236}">
+                <a16:creationId xmlns:a16="http://schemas.microsoft.com/office/drawing/2014/main" id="{C3C3E751-A543-9FED-F4A0-1BFFC76E6BF6}"/>
+              </a:ext>
+            </a:extLst>
+          </p:cNvPr>
+          <p:cNvPicPr>
+            <a:picLocks noChangeAspect="1"/>
+          </p:cNvPicPr>
+          <p:nvPr/>
+        </p:nvPicPr>
+        <p:blipFill>
+          <a:blip r:embed="rId2"/>
+          <a:stretch>
+            <a:fillRect/>
+          </a:stretch>
+        </p:blipFill>
+        <p:spPr>
+          <a:xfrm>
+            <a:off x="1371600" y="1700213"/>
+            <a:ext cx="10244138" cy="4700587"/>
+          </a:xfrm>
+          <a:prstGeom prst="rect">
+            <a:avLst/>
+          </a:prstGeom>
+        </p:spPr>
+      </p:pic>
+    </p:spTree>
+    <p:extLst>
+      <p:ext uri="{BB962C8B-B14F-4D97-AF65-F5344CB8AC3E}">
+        <p14:creationId xmlns:p14="http://schemas.microsoft.com/office/powerpoint/2010/main" val="2881550499"/>
+      </p:ext>
+    </p:extLst>
+  </p:cSld>
+  <p:clrMapOvr>
+    <a:masterClrMapping/>
+  </p:clrMapOvr>
+</p:sld>
+</file>
+
+<file path=ppt/slides/slide23.xml><?xml version="1.0" encoding="utf-8"?>
+<p:sld xmlns:a="http://schemas.openxmlformats.org/drawingml/2006/main" xmlns:r="http://schemas.openxmlformats.org/officeDocument/2006/relationships" xmlns:p="http://schemas.openxmlformats.org/presentationml/2006/main">
+  <p:cSld>
+    <p:spTree>
+      <p:nvGrpSpPr>
+        <p:cNvPr id="1" name=""/>
+        <p:cNvGrpSpPr/>
+        <p:nvPr/>
+      </p:nvGrpSpPr>
+      <p:grpSpPr>
+        <a:xfrm>
+          <a:off x="0" y="0"/>
+          <a:ext cx="0" cy="0"/>
+          <a:chOff x="0" y="0"/>
+          <a:chExt cx="0" cy="0"/>
+        </a:xfrm>
+      </p:grpSpPr>
+      <p:pic>
+        <p:nvPicPr>
+          <p:cNvPr id="3" name="Picture 2">
+            <a:extLst>
+              <a:ext uri="{FF2B5EF4-FFF2-40B4-BE49-F238E27FC236}">
+                <a16:creationId xmlns:a16="http://schemas.microsoft.com/office/drawing/2014/main" id="{371CB521-0F7B-B74D-E479-8F298D17C611}"/>
+              </a:ext>
+            </a:extLst>
+          </p:cNvPr>
+          <p:cNvPicPr>
+            <a:picLocks noChangeAspect="1"/>
+          </p:cNvPicPr>
+          <p:nvPr/>
+        </p:nvPicPr>
+        <p:blipFill>
+          <a:blip r:embed="rId2"/>
+          <a:stretch>
+            <a:fillRect/>
+          </a:stretch>
+        </p:blipFill>
+        <p:spPr>
+          <a:xfrm>
+            <a:off x="1371600" y="490280"/>
+            <a:ext cx="10147610" cy="5910520"/>
+          </a:xfrm>
+          <a:prstGeom prst="rect">
+            <a:avLst/>
+          </a:prstGeom>
+        </p:spPr>
+      </p:pic>
+    </p:spTree>
+    <p:extLst>
+      <p:ext uri="{BB962C8B-B14F-4D97-AF65-F5344CB8AC3E}">
+        <p14:creationId xmlns:p14="http://schemas.microsoft.com/office/powerpoint/2010/main" val="2669767488"/>
+      </p:ext>
+    </p:extLst>
+  </p:cSld>
+  <p:clrMapOvr>
+    <a:masterClrMapping/>
+  </p:clrMapOvr>
+</p:sld>
+</file>
+
+<file path=ppt/slides/slide24.xml><?xml version="1.0" encoding="utf-8"?>
+<p:sld xmlns:a="http://schemas.openxmlformats.org/drawingml/2006/main" xmlns:r="http://schemas.openxmlformats.org/officeDocument/2006/relationships" xmlns:p="http://schemas.openxmlformats.org/presentationml/2006/main">
+  <p:cSld>
+    <p:spTree>
+      <p:nvGrpSpPr>
+        <p:cNvPr id="1" name=""/>
+        <p:cNvGrpSpPr/>
+        <p:nvPr/>
+      </p:nvGrpSpPr>
+      <p:grpSpPr>
+        <a:xfrm>
+          <a:off x="0" y="0"/>
+          <a:ext cx="0" cy="0"/>
+          <a:chOff x="0" y="0"/>
+          <a:chExt cx="0" cy="0"/>
+        </a:xfrm>
+      </p:grpSpPr>
+      <p:sp>
+        <p:nvSpPr>
+          <p:cNvPr id="2" name="Title 1">
+            <a:extLst>
+              <a:ext uri="{FF2B5EF4-FFF2-40B4-BE49-F238E27FC236}">
+                <a16:creationId xmlns:a16="http://schemas.microsoft.com/office/drawing/2014/main" id="{AB496A1C-6FC1-F8DE-E7A1-C659FD224018}"/>
+              </a:ext>
+            </a:extLst>
+          </p:cNvPr>
+          <p:cNvSpPr>
+            <a:spLocks noGrp="1"/>
+          </p:cNvSpPr>
+          <p:nvPr>
+            <p:ph type="title"/>
+          </p:nvPr>
+        </p:nvSpPr>
+        <p:spPr>
+          <a:xfrm>
+            <a:off x="1371600" y="685800"/>
+            <a:ext cx="9486900" cy="700088"/>
+          </a:xfrm>
+        </p:spPr>
+        <p:txBody>
+          <a:bodyPr/>
+          <a:lstStyle/>
+          <a:p>
+            <a:r>
+              <a:rPr lang="en-US" dirty="0"/>
+              <a:t>FLASK APPLICATION</a:t>
+            </a:r>
+          </a:p>
+        </p:txBody>
+      </p:sp>
+      <p:sp>
+        <p:nvSpPr>
+          <p:cNvPr id="3" name="Content Placeholder 2">
+            <a:extLst>
+              <a:ext uri="{FF2B5EF4-FFF2-40B4-BE49-F238E27FC236}">
+                <a16:creationId xmlns:a16="http://schemas.microsoft.com/office/drawing/2014/main" id="{81191E5E-3FAD-21A0-6BD9-99D08F843B17}"/>
+              </a:ext>
+            </a:extLst>
+          </p:cNvPr>
+          <p:cNvSpPr>
+            <a:spLocks noGrp="1"/>
+          </p:cNvSpPr>
+          <p:nvPr>
+            <p:ph idx="1"/>
+          </p:nvPr>
+        </p:nvSpPr>
+        <p:spPr/>
+        <p:txBody>
+          <a:bodyPr/>
+          <a:lstStyle/>
+          <a:p>
+            <a:r>
+              <a:rPr lang="en-US" dirty="0"/>
+              <a:t>WORKING ON THE CODING PART TO HANDLE FORM SUBMISSION AND INTEGRATE MODEL FOR PREDICTIONS.</a:t>
+            </a:r>
+          </a:p>
+        </p:txBody>
+      </p:sp>
+    </p:spTree>
+    <p:extLst>
+      <p:ext uri="{BB962C8B-B14F-4D97-AF65-F5344CB8AC3E}">
+        <p14:creationId xmlns:p14="http://schemas.microsoft.com/office/powerpoint/2010/main" val="3665340283"/>
+      </p:ext>
+    </p:extLst>
+  </p:cSld>
+  <p:clrMapOvr>
+    <a:masterClrMapping/>
+  </p:clrMapOvr>
+</p:sld>
+</file>
+
+<file path=ppt/slides/slide25.xml><?xml version="1.0" encoding="utf-8"?>
+<p:sld xmlns:a="http://schemas.openxmlformats.org/drawingml/2006/main" xmlns:r="http://schemas.openxmlformats.org/officeDocument/2006/relationships" xmlns:p="http://schemas.openxmlformats.org/presentationml/2006/main">
+  <p:cSld>
+    <p:spTree>
+      <p:nvGrpSpPr>
+        <p:cNvPr id="1" name=""/>
+        <p:cNvGrpSpPr/>
+        <p:nvPr/>
+      </p:nvGrpSpPr>
+      <p:grpSpPr>
+        <a:xfrm>
+          <a:off x="0" y="0"/>
+          <a:ext cx="0" cy="0"/>
+          <a:chOff x="0" y="0"/>
+          <a:chExt cx="0" cy="0"/>
+        </a:xfrm>
+      </p:grpSpPr>
+      <p:pic>
+        <p:nvPicPr>
+          <p:cNvPr id="7" name="Picture 6" descr="A screen shot of a computer program&#10;&#10;Description automatically generated">
+            <a:extLst>
+              <a:ext uri="{FF2B5EF4-FFF2-40B4-BE49-F238E27FC236}">
+                <a16:creationId xmlns:a16="http://schemas.microsoft.com/office/drawing/2014/main" id="{15A7573B-D97C-0037-B080-9B899375BE19}"/>
+              </a:ext>
+            </a:extLst>
+          </p:cNvPr>
+          <p:cNvPicPr>
+            <a:picLocks noChangeAspect="1"/>
+          </p:cNvPicPr>
+          <p:nvPr/>
+        </p:nvPicPr>
+        <p:blipFill>
+          <a:blip r:embed="rId2"/>
+          <a:stretch>
+            <a:fillRect/>
+          </a:stretch>
+        </p:blipFill>
+        <p:spPr>
+          <a:xfrm>
+            <a:off x="1555360" y="271463"/>
+            <a:ext cx="9888928" cy="6329362"/>
+          </a:xfrm>
+          <a:prstGeom prst="rect">
+            <a:avLst/>
+          </a:prstGeom>
+        </p:spPr>
+      </p:pic>
+    </p:spTree>
+    <p:extLst>
+      <p:ext uri="{BB962C8B-B14F-4D97-AF65-F5344CB8AC3E}">
+        <p14:creationId xmlns:p14="http://schemas.microsoft.com/office/powerpoint/2010/main" val="700245767"/>
       </p:ext>
     </p:extLst>
   </p:cSld>

--- a/Week 6 .pptx
+++ b/Week 6 .pptx
@@ -6781,7 +6781,7 @@
                 <a:ea typeface="+mj-ea"/>
                 <a:cs typeface="+mj-cs"/>
               </a:rPr>
-              <a:t>Week 8 – Storing the best model results and Working on GUI</a:t>
+              <a:t>Week 8 – Storing the best model and Working on GUI</a:t>
             </a:r>
             <a:br>
               <a:rPr lang="en-US" kern="1200" cap="all" spc="300" baseline="0" dirty="0">
@@ -6803,17 +6803,6 @@
                 <a:cs typeface="+mj-cs"/>
               </a:rPr>
             </a:br>
-            <a:r>
-              <a:rPr lang="en-US" kern="1200" cap="all" spc="300" baseline="0" dirty="0">
-                <a:solidFill>
-                  <a:schemeClr val="tx2"/>
-                </a:solidFill>
-                <a:latin typeface="+mj-lt"/>
-                <a:ea typeface="+mj-ea"/>
-                <a:cs typeface="+mj-cs"/>
-              </a:rPr>
-              <a:t>to be continued….</a:t>
-            </a:r>
             <a:br>
               <a:rPr lang="en-US" kern="1200" cap="all" spc="300" baseline="0" dirty="0">
                 <a:solidFill>
